--- a/OC PIZZA presentation.pptx
+++ b/OC PIZZA presentation.pptx
@@ -6,22 +6,25 @@
   </p:sldMasterIdLst>
   <p:sldIdLst>
     <p:sldId id="256" r:id="rId2"/>
-    <p:sldId id="274" r:id="rId3"/>
-    <p:sldId id="257" r:id="rId4"/>
-    <p:sldId id="275" r:id="rId5"/>
-    <p:sldId id="276" r:id="rId6"/>
-    <p:sldId id="277" r:id="rId7"/>
-    <p:sldId id="278" r:id="rId8"/>
-    <p:sldId id="263" r:id="rId9"/>
-    <p:sldId id="264" r:id="rId10"/>
-    <p:sldId id="265" r:id="rId11"/>
-    <p:sldId id="266" r:id="rId12"/>
-    <p:sldId id="267" r:id="rId13"/>
-    <p:sldId id="268" r:id="rId14"/>
-    <p:sldId id="270" r:id="rId15"/>
-    <p:sldId id="271" r:id="rId16"/>
-    <p:sldId id="273" r:id="rId17"/>
-    <p:sldId id="279" r:id="rId18"/>
+    <p:sldId id="281" r:id="rId3"/>
+    <p:sldId id="274" r:id="rId4"/>
+    <p:sldId id="284" r:id="rId5"/>
+    <p:sldId id="257" r:id="rId6"/>
+    <p:sldId id="275" r:id="rId7"/>
+    <p:sldId id="276" r:id="rId8"/>
+    <p:sldId id="277" r:id="rId9"/>
+    <p:sldId id="278" r:id="rId10"/>
+    <p:sldId id="263" r:id="rId11"/>
+    <p:sldId id="264" r:id="rId12"/>
+    <p:sldId id="265" r:id="rId13"/>
+    <p:sldId id="283" r:id="rId14"/>
+    <p:sldId id="266" r:id="rId15"/>
+    <p:sldId id="267" r:id="rId16"/>
+    <p:sldId id="268" r:id="rId17"/>
+    <p:sldId id="270" r:id="rId18"/>
+    <p:sldId id="271" r:id="rId19"/>
+    <p:sldId id="273" r:id="rId20"/>
+    <p:sldId id="279" r:id="rId21"/>
   </p:sldIdLst>
   <p:sldSz cx="12192000" cy="6858000"/>
   <p:notesSz cx="6858000" cy="9144000"/>
@@ -314,7 +317,7 @@
           <a:p>
             <a:fld id="{BEBBEE95-2055-459E-AA33-8E27B88640A2}" type="datetimeFigureOut">
               <a:rPr lang="fr-FR" smtClean="0"/>
-              <a:t>03/05/2018</a:t>
+              <a:t>17/05/2018</a:t>
             </a:fld>
             <a:endParaRPr lang="fr-FR"/>
           </a:p>
@@ -589,7 +592,7 @@
           <a:p>
             <a:fld id="{BEBBEE95-2055-459E-AA33-8E27B88640A2}" type="datetimeFigureOut">
               <a:rPr lang="fr-FR" smtClean="0"/>
-              <a:t>03/05/2018</a:t>
+              <a:t>17/05/2018</a:t>
             </a:fld>
             <a:endParaRPr lang="fr-FR"/>
           </a:p>
@@ -783,7 +786,7 @@
           <a:p>
             <a:fld id="{BEBBEE95-2055-459E-AA33-8E27B88640A2}" type="datetimeFigureOut">
               <a:rPr lang="fr-FR" smtClean="0"/>
-              <a:t>03/05/2018</a:t>
+              <a:t>17/05/2018</a:t>
             </a:fld>
             <a:endParaRPr lang="fr-FR"/>
           </a:p>
@@ -1056,7 +1059,7 @@
           <a:p>
             <a:fld id="{BEBBEE95-2055-459E-AA33-8E27B88640A2}" type="datetimeFigureOut">
               <a:rPr lang="fr-FR" smtClean="0"/>
-              <a:t>03/05/2018</a:t>
+              <a:t>17/05/2018</a:t>
             </a:fld>
             <a:endParaRPr lang="fr-FR"/>
           </a:p>
@@ -1397,7 +1400,7 @@
           <a:p>
             <a:fld id="{BEBBEE95-2055-459E-AA33-8E27B88640A2}" type="datetimeFigureOut">
               <a:rPr lang="fr-FR" smtClean="0"/>
-              <a:t>03/05/2018</a:t>
+              <a:t>17/05/2018</a:t>
             </a:fld>
             <a:endParaRPr lang="fr-FR"/>
           </a:p>
@@ -2020,7 +2023,7 @@
           <a:p>
             <a:fld id="{BEBBEE95-2055-459E-AA33-8E27B88640A2}" type="datetimeFigureOut">
               <a:rPr lang="fr-FR" smtClean="0"/>
-              <a:t>03/05/2018</a:t>
+              <a:t>17/05/2018</a:t>
             </a:fld>
             <a:endParaRPr lang="fr-FR"/>
           </a:p>
@@ -2880,7 +2883,7 @@
           <a:p>
             <a:fld id="{BEBBEE95-2055-459E-AA33-8E27B88640A2}" type="datetimeFigureOut">
               <a:rPr lang="fr-FR" smtClean="0"/>
-              <a:t>03/05/2018</a:t>
+              <a:t>17/05/2018</a:t>
             </a:fld>
             <a:endParaRPr lang="fr-FR"/>
           </a:p>
@@ -3050,7 +3053,7 @@
           <a:p>
             <a:fld id="{BEBBEE95-2055-459E-AA33-8E27B88640A2}" type="datetimeFigureOut">
               <a:rPr lang="fr-FR" smtClean="0"/>
-              <a:t>03/05/2018</a:t>
+              <a:t>17/05/2018</a:t>
             </a:fld>
             <a:endParaRPr lang="fr-FR"/>
           </a:p>
@@ -3230,7 +3233,7 @@
           <a:p>
             <a:fld id="{BEBBEE95-2055-459E-AA33-8E27B88640A2}" type="datetimeFigureOut">
               <a:rPr lang="fr-FR" smtClean="0"/>
-              <a:t>03/05/2018</a:t>
+              <a:t>17/05/2018</a:t>
             </a:fld>
             <a:endParaRPr lang="fr-FR"/>
           </a:p>
@@ -3348,35 +3351,35 @@
           <a:p>
             <a:pPr lvl="0"/>
             <a:r>
-              <a:rPr lang="fr-FR"/>
+              <a:rPr lang="fr-FR" dirty="0"/>
               <a:t>Modifier les styles du texte du masque</a:t>
             </a:r>
           </a:p>
           <a:p>
             <a:pPr lvl="1"/>
             <a:r>
-              <a:rPr lang="fr-FR"/>
+              <a:rPr lang="fr-FR" dirty="0"/>
               <a:t>Deuxième niveau</a:t>
             </a:r>
           </a:p>
           <a:p>
             <a:pPr lvl="2"/>
             <a:r>
-              <a:rPr lang="fr-FR"/>
+              <a:rPr lang="fr-FR" dirty="0"/>
               <a:t>Troisième niveau</a:t>
             </a:r>
           </a:p>
           <a:p>
             <a:pPr lvl="3"/>
             <a:r>
-              <a:rPr lang="fr-FR"/>
+              <a:rPr lang="fr-FR" dirty="0"/>
               <a:t>Quatrième niveau</a:t>
             </a:r>
           </a:p>
           <a:p>
             <a:pPr lvl="4"/>
             <a:r>
-              <a:rPr lang="fr-FR"/>
+              <a:rPr lang="fr-FR" dirty="0"/>
               <a:t>Cinquième niveau</a:t>
             </a:r>
             <a:endParaRPr lang="en-US" dirty="0"/>
@@ -3400,7 +3403,7 @@
           <a:p>
             <a:fld id="{BEBBEE95-2055-459E-AA33-8E27B88640A2}" type="datetimeFigureOut">
               <a:rPr lang="fr-FR" smtClean="0"/>
-              <a:t>03/05/2018</a:t>
+              <a:t>17/05/2018</a:t>
             </a:fld>
             <a:endParaRPr lang="fr-FR"/>
           </a:p>
@@ -3647,7 +3650,7 @@
           <a:p>
             <a:fld id="{BEBBEE95-2055-459E-AA33-8E27B88640A2}" type="datetimeFigureOut">
               <a:rPr lang="fr-FR" smtClean="0"/>
-              <a:t>03/05/2018</a:t>
+              <a:t>17/05/2018</a:t>
             </a:fld>
             <a:endParaRPr lang="fr-FR"/>
           </a:p>
@@ -3939,7 +3942,7 @@
           <a:p>
             <a:fld id="{BEBBEE95-2055-459E-AA33-8E27B88640A2}" type="datetimeFigureOut">
               <a:rPr lang="fr-FR" smtClean="0"/>
-              <a:t>03/05/2018</a:t>
+              <a:t>17/05/2018</a:t>
             </a:fld>
             <a:endParaRPr lang="fr-FR"/>
           </a:p>
@@ -4383,7 +4386,7 @@
           <a:p>
             <a:fld id="{BEBBEE95-2055-459E-AA33-8E27B88640A2}" type="datetimeFigureOut">
               <a:rPr lang="fr-FR" smtClean="0"/>
-              <a:t>03/05/2018</a:t>
+              <a:t>17/05/2018</a:t>
             </a:fld>
             <a:endParaRPr lang="fr-FR"/>
           </a:p>
@@ -4501,7 +4504,7 @@
           <a:p>
             <a:fld id="{BEBBEE95-2055-459E-AA33-8E27B88640A2}" type="datetimeFigureOut">
               <a:rPr lang="fr-FR" smtClean="0"/>
-              <a:t>03/05/2018</a:t>
+              <a:t>17/05/2018</a:t>
             </a:fld>
             <a:endParaRPr lang="fr-FR"/>
           </a:p>
@@ -4596,7 +4599,7 @@
           <a:p>
             <a:fld id="{BEBBEE95-2055-459E-AA33-8E27B88640A2}" type="datetimeFigureOut">
               <a:rPr lang="fr-FR" smtClean="0"/>
-              <a:t>03/05/2018</a:t>
+              <a:t>17/05/2018</a:t>
             </a:fld>
             <a:endParaRPr lang="fr-FR"/>
           </a:p>
@@ -4875,7 +4878,7 @@
           <a:p>
             <a:fld id="{BEBBEE95-2055-459E-AA33-8E27B88640A2}" type="datetimeFigureOut">
               <a:rPr lang="fr-FR" smtClean="0"/>
-              <a:t>03/05/2018</a:t>
+              <a:t>17/05/2018</a:t>
             </a:fld>
             <a:endParaRPr lang="fr-FR"/>
           </a:p>
@@ -5150,7 +5153,7 @@
           <a:p>
             <a:fld id="{BEBBEE95-2055-459E-AA33-8E27B88640A2}" type="datetimeFigureOut">
               <a:rPr lang="fr-FR" smtClean="0"/>
-              <a:t>03/05/2018</a:t>
+              <a:t>17/05/2018</a:t>
             </a:fld>
             <a:endParaRPr lang="fr-FR"/>
           </a:p>
@@ -5579,7 +5582,7 @@
           <a:p>
             <a:fld id="{BEBBEE95-2055-459E-AA33-8E27B88640A2}" type="datetimeFigureOut">
               <a:rPr lang="fr-FR" smtClean="0"/>
-              <a:t>03/05/2018</a:t>
+              <a:t>17/05/2018</a:t>
             </a:fld>
             <a:endParaRPr lang="fr-FR"/>
           </a:p>
@@ -6195,6 +6198,292 @@
           <p:cNvPr id="2" name="Titre 1">
             <a:extLst>
               <a:ext uri="{FF2B5EF4-FFF2-40B4-BE49-F238E27FC236}">
+                <a16:creationId xmlns:a16="http://schemas.microsoft.com/office/drawing/2014/main" id="{D7916973-2AA1-4ABF-8DBD-5CF86C814B70}"/>
+              </a:ext>
+            </a:extLst>
+          </p:cNvPr>
+          <p:cNvSpPr>
+            <a:spLocks noGrp="1"/>
+          </p:cNvSpPr>
+          <p:nvPr>
+            <p:ph type="title"/>
+          </p:nvPr>
+        </p:nvSpPr>
+        <p:spPr/>
+        <p:txBody>
+          <a:bodyPr/>
+          <a:lstStyle/>
+          <a:p>
+            <a:r>
+              <a:rPr lang="fr-FR" dirty="0"/>
+              <a:t>Les fonctionnalités du système</a:t>
+            </a:r>
+          </a:p>
+        </p:txBody>
+      </p:sp>
+      <p:sp>
+        <p:nvSpPr>
+          <p:cNvPr id="3" name="Espace réservé du contenu 2">
+            <a:extLst>
+              <a:ext uri="{FF2B5EF4-FFF2-40B4-BE49-F238E27FC236}">
+                <a16:creationId xmlns:a16="http://schemas.microsoft.com/office/drawing/2014/main" id="{F40E0AFD-F18C-4373-8A3E-B9446FF3F9E1}"/>
+              </a:ext>
+            </a:extLst>
+          </p:cNvPr>
+          <p:cNvSpPr>
+            <a:spLocks noGrp="1"/>
+          </p:cNvSpPr>
+          <p:nvPr>
+            <p:ph idx="1"/>
+          </p:nvPr>
+        </p:nvSpPr>
+        <p:spPr>
+          <a:xfrm>
+            <a:off x="1103312" y="1665298"/>
+            <a:ext cx="8946541" cy="4583101"/>
+          </a:xfrm>
+        </p:spPr>
+        <p:txBody>
+          <a:bodyPr>
+            <a:normAutofit/>
+          </a:bodyPr>
+          <a:lstStyle/>
+          <a:p>
+            <a:r>
+              <a:rPr lang="fr-FR" sz="2800" b="1" dirty="0"/>
+              <a:t>Site internet</a:t>
+            </a:r>
+            <a:endParaRPr lang="fr-FR" sz="2800" dirty="0"/>
+          </a:p>
+          <a:p>
+            <a:pPr marL="914400" lvl="1" indent="-457200">
+              <a:lnSpc>
+                <a:spcPct val="150000"/>
+              </a:lnSpc>
+              <a:buFont typeface="+mj-lt"/>
+              <a:buAutoNum type="arabicPeriod"/>
+            </a:pPr>
+            <a:r>
+              <a:rPr lang="fr-FR" sz="2000" dirty="0"/>
+              <a:t>Actualiser la carte en fonction du stock d’ingrédients en temps réel</a:t>
+            </a:r>
+          </a:p>
+          <a:p>
+            <a:pPr marL="914400" lvl="1" indent="-457200">
+              <a:lnSpc>
+                <a:spcPct val="150000"/>
+              </a:lnSpc>
+              <a:buFont typeface="+mj-lt"/>
+              <a:buAutoNum type="arabicPeriod"/>
+            </a:pPr>
+            <a:r>
+              <a:rPr lang="fr-FR" sz="2000" dirty="0"/>
+              <a:t>Enregistrer une commande</a:t>
+            </a:r>
+          </a:p>
+          <a:p>
+            <a:pPr marL="914400" lvl="1" indent="-457200">
+              <a:lnSpc>
+                <a:spcPct val="150000"/>
+              </a:lnSpc>
+              <a:buFont typeface="+mj-lt"/>
+              <a:buAutoNum type="arabicPeriod"/>
+            </a:pPr>
+            <a:r>
+              <a:rPr lang="fr-FR" sz="2000" dirty="0"/>
+              <a:t>Enregistrer des infos de clientèle </a:t>
+            </a:r>
+          </a:p>
+          <a:p>
+            <a:pPr marL="914400" lvl="1" indent="-457200">
+              <a:lnSpc>
+                <a:spcPct val="150000"/>
+              </a:lnSpc>
+              <a:buFont typeface="+mj-lt"/>
+              <a:buAutoNum type="arabicPeriod"/>
+            </a:pPr>
+            <a:r>
+              <a:rPr lang="fr-FR" sz="2000" dirty="0"/>
+              <a:t>Afficher le statut de la commande</a:t>
+            </a:r>
+          </a:p>
+        </p:txBody>
+      </p:sp>
+    </p:spTree>
+    <p:extLst>
+      <p:ext uri="{BB962C8B-B14F-4D97-AF65-F5344CB8AC3E}">
+        <p14:creationId xmlns:p14="http://schemas.microsoft.com/office/powerpoint/2010/main" val="2868280252"/>
+      </p:ext>
+    </p:extLst>
+  </p:cSld>
+  <p:clrMapOvr>
+    <a:masterClrMapping/>
+  </p:clrMapOvr>
+</p:sld>
+</file>
+
+<file path=ppt/slides/slide11.xml><?xml version="1.0" encoding="utf-8"?>
+<p:sld xmlns:a="http://schemas.openxmlformats.org/drawingml/2006/main" xmlns:r="http://schemas.openxmlformats.org/officeDocument/2006/relationships" xmlns:p="http://schemas.openxmlformats.org/presentationml/2006/main">
+  <p:cSld>
+    <p:spTree>
+      <p:nvGrpSpPr>
+        <p:cNvPr id="1" name=""/>
+        <p:cNvGrpSpPr/>
+        <p:nvPr/>
+      </p:nvGrpSpPr>
+      <p:grpSpPr>
+        <a:xfrm>
+          <a:off x="0" y="0"/>
+          <a:ext cx="0" cy="0"/>
+          <a:chOff x="0" y="0"/>
+          <a:chExt cx="0" cy="0"/>
+        </a:xfrm>
+      </p:grpSpPr>
+      <p:sp>
+        <p:nvSpPr>
+          <p:cNvPr id="2" name="Titre 1">
+            <a:extLst>
+              <a:ext uri="{FF2B5EF4-FFF2-40B4-BE49-F238E27FC236}">
+                <a16:creationId xmlns:a16="http://schemas.microsoft.com/office/drawing/2014/main" id="{54C1F218-6FEF-4965-82AE-397C77D8E732}"/>
+              </a:ext>
+            </a:extLst>
+          </p:cNvPr>
+          <p:cNvSpPr>
+            <a:spLocks noGrp="1"/>
+          </p:cNvSpPr>
+          <p:nvPr>
+            <p:ph type="title"/>
+          </p:nvPr>
+        </p:nvSpPr>
+        <p:spPr/>
+        <p:txBody>
+          <a:bodyPr/>
+          <a:lstStyle/>
+          <a:p>
+            <a:r>
+              <a:rPr lang="fr-FR" dirty="0"/>
+              <a:t>Les fonctionnalités du système</a:t>
+            </a:r>
+          </a:p>
+        </p:txBody>
+      </p:sp>
+      <p:sp>
+        <p:nvSpPr>
+          <p:cNvPr id="3" name="Espace réservé du contenu 2">
+            <a:extLst>
+              <a:ext uri="{FF2B5EF4-FFF2-40B4-BE49-F238E27FC236}">
+                <a16:creationId xmlns:a16="http://schemas.microsoft.com/office/drawing/2014/main" id="{93E0F634-736C-4792-B469-B115EB64E092}"/>
+              </a:ext>
+            </a:extLst>
+          </p:cNvPr>
+          <p:cNvSpPr>
+            <a:spLocks noGrp="1"/>
+          </p:cNvSpPr>
+          <p:nvPr>
+            <p:ph idx="1"/>
+          </p:nvPr>
+        </p:nvSpPr>
+        <p:spPr/>
+        <p:txBody>
+          <a:bodyPr>
+            <a:normAutofit/>
+          </a:bodyPr>
+          <a:lstStyle/>
+          <a:p>
+            <a:r>
+              <a:rPr lang="fr-FR" sz="2800" b="1" dirty="0"/>
+              <a:t>Le logiciel de gestion </a:t>
+            </a:r>
+          </a:p>
+          <a:p>
+            <a:pPr marL="857250" lvl="1" indent="-457200">
+              <a:lnSpc>
+                <a:spcPct val="150000"/>
+              </a:lnSpc>
+              <a:buFont typeface="+mj-lt"/>
+              <a:buAutoNum type="arabicPeriod"/>
+            </a:pPr>
+            <a:r>
+              <a:rPr lang="fr-FR" sz="2200" dirty="0"/>
+              <a:t>Enregistrer les commandes</a:t>
+            </a:r>
+          </a:p>
+          <a:p>
+            <a:pPr marL="857250" lvl="1" indent="-457200">
+              <a:lnSpc>
+                <a:spcPct val="150000"/>
+              </a:lnSpc>
+              <a:buFont typeface="+mj-lt"/>
+              <a:buAutoNum type="arabicPeriod"/>
+            </a:pPr>
+            <a:r>
+              <a:rPr lang="fr-FR" sz="2400" dirty="0"/>
+              <a:t>Consulter les bases de données</a:t>
+            </a:r>
+          </a:p>
+          <a:p>
+            <a:pPr marL="857250" lvl="1" indent="-457200">
+              <a:lnSpc>
+                <a:spcPct val="150000"/>
+              </a:lnSpc>
+              <a:buFont typeface="+mj-lt"/>
+              <a:buAutoNum type="arabicPeriod"/>
+            </a:pPr>
+            <a:r>
+              <a:rPr lang="fr-FR" sz="2400" dirty="0"/>
+              <a:t>Extraire des données des base données</a:t>
+            </a:r>
+          </a:p>
+          <a:p>
+            <a:pPr marL="857250" lvl="1" indent="-457200">
+              <a:lnSpc>
+                <a:spcPct val="150000"/>
+              </a:lnSpc>
+              <a:buFont typeface="+mj-lt"/>
+              <a:buAutoNum type="arabicPeriod"/>
+            </a:pPr>
+            <a:r>
+              <a:rPr lang="fr-FR" sz="2400" dirty="0"/>
+              <a:t>Modifier les bases de données</a:t>
+            </a:r>
+          </a:p>
+        </p:txBody>
+      </p:sp>
+    </p:spTree>
+    <p:extLst>
+      <p:ext uri="{BB962C8B-B14F-4D97-AF65-F5344CB8AC3E}">
+        <p14:creationId xmlns:p14="http://schemas.microsoft.com/office/powerpoint/2010/main" val="4079450083"/>
+      </p:ext>
+    </p:extLst>
+  </p:cSld>
+  <p:clrMapOvr>
+    <a:masterClrMapping/>
+  </p:clrMapOvr>
+</p:sld>
+</file>
+
+<file path=ppt/slides/slide12.xml><?xml version="1.0" encoding="utf-8"?>
+<p:sld xmlns:a="http://schemas.openxmlformats.org/drawingml/2006/main" xmlns:r="http://schemas.openxmlformats.org/officeDocument/2006/relationships" xmlns:p="http://schemas.openxmlformats.org/presentationml/2006/main">
+  <p:cSld>
+    <p:spTree>
+      <p:nvGrpSpPr>
+        <p:cNvPr id="1" name=""/>
+        <p:cNvGrpSpPr/>
+        <p:nvPr/>
+      </p:nvGrpSpPr>
+      <p:grpSpPr>
+        <a:xfrm>
+          <a:off x="0" y="0"/>
+          <a:ext cx="0" cy="0"/>
+          <a:chOff x="0" y="0"/>
+          <a:chExt cx="0" cy="0"/>
+        </a:xfrm>
+      </p:grpSpPr>
+      <p:sp>
+        <p:nvSpPr>
+          <p:cNvPr id="2" name="Titre 1">
+            <a:extLst>
+              <a:ext uri="{FF2B5EF4-FFF2-40B4-BE49-F238E27FC236}">
                 <a16:creationId xmlns:a16="http://schemas.microsoft.com/office/drawing/2014/main" id="{8608A89E-FA9D-4161-A657-4AC9139ED5C6}"/>
               </a:ext>
             </a:extLst>
@@ -6276,7 +6565,90 @@
 </p:sld>
 </file>
 
-<file path=ppt/slides/slide11.xml><?xml version="1.0" encoding="utf-8"?>
+<file path=ppt/slides/slide13.xml><?xml version="1.0" encoding="utf-8"?>
+<p:sld xmlns:a="http://schemas.openxmlformats.org/drawingml/2006/main" xmlns:r="http://schemas.openxmlformats.org/officeDocument/2006/relationships" xmlns:p="http://schemas.openxmlformats.org/presentationml/2006/main">
+  <p:cSld>
+    <p:spTree>
+      <p:nvGrpSpPr>
+        <p:cNvPr id="1" name=""/>
+        <p:cNvGrpSpPr/>
+        <p:nvPr/>
+      </p:nvGrpSpPr>
+      <p:grpSpPr>
+        <a:xfrm>
+          <a:off x="0" y="0"/>
+          <a:ext cx="0" cy="0"/>
+          <a:chOff x="0" y="0"/>
+          <a:chExt cx="0" cy="0"/>
+        </a:xfrm>
+      </p:grpSpPr>
+      <p:sp>
+        <p:nvSpPr>
+          <p:cNvPr id="2" name="Titre 1">
+            <a:extLst>
+              <a:ext uri="{FF2B5EF4-FFF2-40B4-BE49-F238E27FC236}">
+                <a16:creationId xmlns:a16="http://schemas.microsoft.com/office/drawing/2014/main" id="{EC747932-5A79-4A4D-BC7B-98909AA3D53D}"/>
+              </a:ext>
+            </a:extLst>
+          </p:cNvPr>
+          <p:cNvSpPr>
+            <a:spLocks noGrp="1"/>
+          </p:cNvSpPr>
+          <p:nvPr>
+            <p:ph type="ctrTitle"/>
+          </p:nvPr>
+        </p:nvSpPr>
+        <p:spPr/>
+        <p:txBody>
+          <a:bodyPr/>
+          <a:lstStyle/>
+          <a:p>
+            <a:r>
+              <a:rPr lang="fr-FR" dirty="0"/>
+              <a:t>Les Spécifications Techniques</a:t>
+            </a:r>
+          </a:p>
+        </p:txBody>
+      </p:sp>
+      <p:sp>
+        <p:nvSpPr>
+          <p:cNvPr id="3" name="Sous-titre 2">
+            <a:extLst>
+              <a:ext uri="{FF2B5EF4-FFF2-40B4-BE49-F238E27FC236}">
+                <a16:creationId xmlns:a16="http://schemas.microsoft.com/office/drawing/2014/main" id="{791909D3-B979-4C82-A908-83B73B5ABDD1}"/>
+              </a:ext>
+            </a:extLst>
+          </p:cNvPr>
+          <p:cNvSpPr>
+            <a:spLocks noGrp="1"/>
+          </p:cNvSpPr>
+          <p:nvPr>
+            <p:ph type="subTitle" idx="1"/>
+          </p:nvPr>
+        </p:nvSpPr>
+        <p:spPr/>
+        <p:txBody>
+          <a:bodyPr/>
+          <a:lstStyle/>
+          <a:p>
+            <a:endParaRPr lang="fr-FR"/>
+          </a:p>
+        </p:txBody>
+      </p:sp>
+    </p:spTree>
+    <p:extLst>
+      <p:ext uri="{BB962C8B-B14F-4D97-AF65-F5344CB8AC3E}">
+        <p14:creationId xmlns:p14="http://schemas.microsoft.com/office/powerpoint/2010/main" val="4177140536"/>
+      </p:ext>
+    </p:extLst>
+  </p:cSld>
+  <p:clrMapOvr>
+    <a:masterClrMapping/>
+  </p:clrMapOvr>
+</p:sld>
+</file>
+
+<file path=ppt/slides/slide14.xml><?xml version="1.0" encoding="utf-8"?>
 <p:sld xmlns:a="http://schemas.openxmlformats.org/drawingml/2006/main" xmlns:r="http://schemas.openxmlformats.org/officeDocument/2006/relationships" xmlns:p="http://schemas.openxmlformats.org/presentationml/2006/main">
   <p:cSld>
     <p:spTree>
@@ -6413,15 +6785,29 @@
             <p:ph type="title"/>
           </p:nvPr>
         </p:nvSpPr>
-        <p:spPr/>
+        <p:spPr>
+          <a:xfrm>
+            <a:off x="362846" y="109818"/>
+            <a:ext cx="9404723" cy="1400530"/>
+          </a:xfrm>
+        </p:spPr>
         <p:txBody>
           <a:bodyPr/>
           <a:lstStyle/>
           <a:p>
+            <a:pPr algn="r"/>
             <a:r>
               <a:rPr lang="fr-FR" dirty="0"/>
+              <a:t>Schéma global d’architecture</a:t>
+            </a:r>
+            <a:br>
+              <a:rPr lang="fr-FR" dirty="0"/>
+            </a:br>
+            <a:r>
+              <a:rPr lang="fr-FR" sz="2800" dirty="0"/>
               <a:t>Diagramme de package</a:t>
             </a:r>
+            <a:endParaRPr lang="fr-FR" dirty="0"/>
           </a:p>
         </p:txBody>
       </p:sp>
@@ -6474,7 +6860,7 @@
 </p:sld>
 </file>
 
-<file path=ppt/slides/slide12.xml><?xml version="1.0" encoding="utf-8"?>
+<file path=ppt/slides/slide15.xml><?xml version="1.0" encoding="utf-8"?>
 <p:sld xmlns:a="http://schemas.openxmlformats.org/drawingml/2006/main" xmlns:r="http://schemas.openxmlformats.org/officeDocument/2006/relationships" xmlns:p="http://schemas.openxmlformats.org/presentationml/2006/main">
   <p:cSld>
     <p:spTree>
@@ -6583,7 +6969,7 @@
 </p:sld>
 </file>
 
-<file path=ppt/slides/slide13.xml><?xml version="1.0" encoding="utf-8"?>
+<file path=ppt/slides/slide16.xml><?xml version="1.0" encoding="utf-8"?>
 <p:sld xmlns:a="http://schemas.openxmlformats.org/drawingml/2006/main" xmlns:r="http://schemas.openxmlformats.org/officeDocument/2006/relationships" xmlns:p="http://schemas.openxmlformats.org/presentationml/2006/main">
   <p:cSld>
     <p:spTree>
@@ -6802,7 +7188,7 @@
 </p:sld>
 </file>
 
-<file path=ppt/slides/slide14.xml><?xml version="1.0" encoding="utf-8"?>
+<file path=ppt/slides/slide17.xml><?xml version="1.0" encoding="utf-8"?>
 <p:sld xmlns:a="http://schemas.openxmlformats.org/drawingml/2006/main" xmlns:r="http://schemas.openxmlformats.org/officeDocument/2006/relationships" xmlns:p="http://schemas.openxmlformats.org/presentationml/2006/main">
   <p:cSld>
     <p:spTree>
@@ -6867,7 +7253,7 @@
 </p:sld>
 </file>
 
-<file path=ppt/slides/slide15.xml><?xml version="1.0" encoding="utf-8"?>
+<file path=ppt/slides/slide18.xml><?xml version="1.0" encoding="utf-8"?>
 <p:sld xmlns:a="http://schemas.openxmlformats.org/drawingml/2006/main" xmlns:r="http://schemas.openxmlformats.org/officeDocument/2006/relationships" xmlns:p="http://schemas.openxmlformats.org/presentationml/2006/main">
   <p:cSld>
     <p:spTree>
@@ -6967,7 +7353,7 @@
 </p:sld>
 </file>
 
-<file path=ppt/slides/slide16.xml><?xml version="1.0" encoding="utf-8"?>
+<file path=ppt/slides/slide19.xml><?xml version="1.0" encoding="utf-8"?>
 <p:sld xmlns:a="http://schemas.openxmlformats.org/drawingml/2006/main" xmlns:r="http://schemas.openxmlformats.org/officeDocument/2006/relationships" xmlns:p="http://schemas.openxmlformats.org/presentationml/2006/main">
   <p:cSld>
     <p:spTree>
@@ -7066,140 +7452,6 @@
 </p:sld>
 </file>
 
-<file path=ppt/slides/slide17.xml><?xml version="1.0" encoding="utf-8"?>
-<p:sld xmlns:a="http://schemas.openxmlformats.org/drawingml/2006/main" xmlns:r="http://schemas.openxmlformats.org/officeDocument/2006/relationships" xmlns:p="http://schemas.openxmlformats.org/presentationml/2006/main">
-  <p:cSld>
-    <p:spTree>
-      <p:nvGrpSpPr>
-        <p:cNvPr id="1" name=""/>
-        <p:cNvGrpSpPr/>
-        <p:nvPr/>
-      </p:nvGrpSpPr>
-      <p:grpSpPr>
-        <a:xfrm>
-          <a:off x="0" y="0"/>
-          <a:ext cx="0" cy="0"/>
-          <a:chOff x="0" y="0"/>
-          <a:chExt cx="0" cy="0"/>
-        </a:xfrm>
-      </p:grpSpPr>
-      <p:sp>
-        <p:nvSpPr>
-          <p:cNvPr id="2" name="Titre 1">
-            <a:extLst>
-              <a:ext uri="{FF2B5EF4-FFF2-40B4-BE49-F238E27FC236}">
-                <a16:creationId xmlns:a16="http://schemas.microsoft.com/office/drawing/2014/main" id="{BC7F7AB4-5287-4A45-9F1B-5D0BA644256F}"/>
-              </a:ext>
-            </a:extLst>
-          </p:cNvPr>
-          <p:cNvSpPr>
-            <a:spLocks noGrp="1"/>
-          </p:cNvSpPr>
-          <p:nvPr>
-            <p:ph type="title"/>
-          </p:nvPr>
-        </p:nvSpPr>
-        <p:spPr/>
-        <p:txBody>
-          <a:bodyPr/>
-          <a:lstStyle/>
-          <a:p>
-            <a:r>
-              <a:rPr lang="fr-FR" dirty="0"/>
-              <a:t>Solution Technique</a:t>
-            </a:r>
-          </a:p>
-        </p:txBody>
-      </p:sp>
-      <p:sp>
-        <p:nvSpPr>
-          <p:cNvPr id="3" name="Espace réservé du contenu 2">
-            <a:extLst>
-              <a:ext uri="{FF2B5EF4-FFF2-40B4-BE49-F238E27FC236}">
-                <a16:creationId xmlns:a16="http://schemas.microsoft.com/office/drawing/2014/main" id="{86627AD1-E329-4A6C-81C4-7B5AA69E118D}"/>
-              </a:ext>
-            </a:extLst>
-          </p:cNvPr>
-          <p:cNvSpPr>
-            <a:spLocks noGrp="1"/>
-          </p:cNvSpPr>
-          <p:nvPr>
-            <p:ph idx="1"/>
-          </p:nvPr>
-        </p:nvSpPr>
-        <p:spPr>
-          <a:xfrm>
-            <a:off x="1104293" y="1622969"/>
-            <a:ext cx="8946541" cy="4195481"/>
-          </a:xfrm>
-        </p:spPr>
-        <p:txBody>
-          <a:bodyPr>
-            <a:normAutofit fontScale="92500" lnSpcReduction="10000"/>
-          </a:bodyPr>
-          <a:lstStyle/>
-          <a:p>
-            <a:r>
-              <a:rPr lang="fr-FR" sz="2400" b="1" dirty="0"/>
-              <a:t>Langages informatiques</a:t>
-            </a:r>
-          </a:p>
-          <a:p>
-            <a:pPr lvl="1"/>
-            <a:r>
-              <a:rPr lang="fr-FR" sz="2000" dirty="0"/>
-              <a:t>Le site internet et le logiciel de gestion seront établir en utilisant HTML, CSS, et Python 3 avec Framework Django. </a:t>
-            </a:r>
-          </a:p>
-          <a:p>
-            <a:pPr lvl="1"/>
-            <a:r>
-              <a:rPr lang="fr-FR" sz="2000" dirty="0"/>
-              <a:t>Framework Django permettra de développer rapidement la solution avec la sécurité et la qualité consistante. En plus, la maintenance d’application sera plus efficace.</a:t>
-            </a:r>
-          </a:p>
-          <a:p>
-            <a:pPr lvl="1"/>
-            <a:endParaRPr lang="fr-FR" sz="2000" dirty="0"/>
-          </a:p>
-          <a:p>
-            <a:r>
-              <a:rPr lang="fr-FR" sz="2400" b="1" dirty="0"/>
-              <a:t> Système de gestion de base de données relationnelles (SGDBR)</a:t>
-            </a:r>
-          </a:p>
-          <a:p>
-            <a:pPr lvl="1"/>
-            <a:r>
-              <a:rPr lang="fr-FR" sz="2000" dirty="0"/>
-              <a:t>PostgreSQL sera approprié par rapport à la taille des base données.</a:t>
-            </a:r>
-          </a:p>
-          <a:p>
-            <a:pPr lvl="1"/>
-            <a:r>
-              <a:rPr lang="fr-FR" sz="2000" dirty="0"/>
-              <a:t> PostgreSQL supportera mieux la quantité de données de votre entreprise qui est en plein essor.</a:t>
-            </a:r>
-          </a:p>
-          <a:p>
-            <a:endParaRPr lang="fr-FR" dirty="0"/>
-          </a:p>
-        </p:txBody>
-      </p:sp>
-    </p:spTree>
-    <p:extLst>
-      <p:ext uri="{BB962C8B-B14F-4D97-AF65-F5344CB8AC3E}">
-        <p14:creationId xmlns:p14="http://schemas.microsoft.com/office/powerpoint/2010/main" val="2312096519"/>
-      </p:ext>
-    </p:extLst>
-  </p:cSld>
-  <p:clrMapOvr>
-    <a:masterClrMapping/>
-  </p:clrMapOvr>
-</p:sld>
-</file>
-
 <file path=ppt/slides/slide2.xml><?xml version="1.0" encoding="utf-8"?>
 <p:sld xmlns:a="http://schemas.openxmlformats.org/drawingml/2006/main" xmlns:r="http://schemas.openxmlformats.org/officeDocument/2006/relationships" xmlns:p="http://schemas.openxmlformats.org/presentationml/2006/main">
   <p:cSld>
@@ -7222,7 +7474,7 @@
           <p:cNvPr id="2" name="Titre 1">
             <a:extLst>
               <a:ext uri="{FF2B5EF4-FFF2-40B4-BE49-F238E27FC236}">
-                <a16:creationId xmlns:a16="http://schemas.microsoft.com/office/drawing/2014/main" id="{CDF39B08-3000-4A79-AC28-10F5F0D5A399}"/>
+                <a16:creationId xmlns:a16="http://schemas.microsoft.com/office/drawing/2014/main" id="{B8585F6B-292E-4996-9C5B-26AB52370D12}"/>
               </a:ext>
             </a:extLst>
           </p:cNvPr>
@@ -7240,7 +7492,7 @@
           <a:p>
             <a:r>
               <a:rPr lang="fr-FR" dirty="0"/>
-              <a:t>Une Solution demandée</a:t>
+              <a:t>SOMMAIRE</a:t>
             </a:r>
           </a:p>
         </p:txBody>
@@ -7250,7 +7502,7 @@
           <p:cNvPr id="3" name="Espace réservé du contenu 2">
             <a:extLst>
               <a:ext uri="{FF2B5EF4-FFF2-40B4-BE49-F238E27FC236}">
-                <a16:creationId xmlns:a16="http://schemas.microsoft.com/office/drawing/2014/main" id="{EE755CFF-533B-4428-B16E-CE86AFB00FE2}"/>
+                <a16:creationId xmlns:a16="http://schemas.microsoft.com/office/drawing/2014/main" id="{74D3FD74-AB85-4C4F-BE66-67987D9C764F}"/>
               </a:ext>
             </a:extLst>
           </p:cNvPr>
@@ -7263,137 +7515,84 @@
         </p:nvSpPr>
         <p:spPr>
           <a:xfrm>
-            <a:off x="1103312" y="1562352"/>
-            <a:ext cx="8946541" cy="4686047"/>
+            <a:off x="1103313" y="2052918"/>
+            <a:ext cx="4557814" cy="4195481"/>
           </a:xfrm>
         </p:spPr>
         <p:txBody>
-          <a:bodyPr>
-            <a:normAutofit fontScale="92500"/>
-          </a:bodyPr>
+          <a:bodyPr/>
           <a:lstStyle/>
           <a:p>
-            <a:pPr marL="0" indent="0">
-              <a:buNone/>
+            <a:pPr marL="457200" indent="-457200">
+              <a:buFont typeface="+mj-lt"/>
+              <a:buAutoNum type="arabicPeriod"/>
             </a:pPr>
             <a:r>
-              <a:rPr lang="fr-FR" sz="3200" dirty="0"/>
-              <a:t>un système informatique qui lui permettrait</a:t>
+              <a:rPr lang="fr-FR" dirty="0"/>
+              <a:t>L’Histoire</a:t>
+            </a:r>
+          </a:p>
+          <a:p>
+            <a:pPr marL="457200" indent="-457200">
+              <a:buFont typeface="+mj-lt"/>
+              <a:buAutoNum type="arabicPeriod"/>
+            </a:pPr>
+            <a:endParaRPr lang="fr-FR" dirty="0"/>
+          </a:p>
+          <a:p>
+            <a:pPr marL="457200" indent="-457200">
+              <a:buFont typeface="+mj-lt"/>
+              <a:buAutoNum type="arabicPeriod"/>
+            </a:pPr>
+            <a:r>
+              <a:rPr lang="fr-FR" dirty="0"/>
+              <a:t>Les Spécification fonctionnelles</a:t>
             </a:r>
           </a:p>
           <a:p>
             <a:pPr lvl="1"/>
             <a:r>
-              <a:rPr lang="fr-FR" sz="2000" dirty="0"/>
-              <a:t>D’être </a:t>
-            </a:r>
-            <a:r>
-              <a:rPr lang="fr-FR" sz="2000" b="1" dirty="0"/>
-              <a:t>plus efficace dans la gestion </a:t>
-            </a:r>
-            <a:r>
-              <a:rPr lang="fr-FR" sz="2000" dirty="0"/>
-              <a:t>des commandes.</a:t>
+              <a:rPr lang="fr-FR" dirty="0"/>
+              <a:t>ACTEURS</a:t>
             </a:r>
           </a:p>
           <a:p>
             <a:pPr lvl="1"/>
             <a:r>
-              <a:rPr lang="fr-FR" sz="2000" dirty="0"/>
-              <a:t>De </a:t>
-            </a:r>
-            <a:r>
-              <a:rPr lang="fr-FR" sz="2000" b="1" dirty="0"/>
-              <a:t>suivre en temps réel les commandes </a:t>
-            </a:r>
-            <a:r>
-              <a:rPr lang="fr-FR" sz="2000" dirty="0"/>
-              <a:t>passées et en préparation.</a:t>
+              <a:rPr lang="fr-FR" dirty="0"/>
+              <a:t>Système</a:t>
             </a:r>
           </a:p>
           <a:p>
             <a:pPr lvl="1"/>
-            <a:r>
-              <a:rPr lang="fr-FR" sz="2000" dirty="0"/>
-              <a:t>De </a:t>
-            </a:r>
-            <a:r>
-              <a:rPr lang="fr-FR" sz="2000" b="1" dirty="0"/>
-              <a:t>suivre en temps réel le stock </a:t>
-            </a:r>
-            <a:r>
-              <a:rPr lang="fr-FR" sz="2000" dirty="0"/>
-              <a:t>d’ingrédient pour savoir quelles pizzas sont encore réalisables.</a:t>
+            <a:endParaRPr lang="fr-FR" dirty="0"/>
+          </a:p>
+          <a:p>
+            <a:pPr marL="457200" indent="-457200">
+              <a:buFont typeface="+mj-lt"/>
+              <a:buAutoNum type="arabicPeriod"/>
+            </a:pPr>
+            <a:r>
+              <a:rPr lang="fr-FR" dirty="0"/>
+              <a:t>Les Spécification Techniques</a:t>
+            </a:r>
+          </a:p>
+          <a:p>
+            <a:pPr marL="857250" lvl="1" indent="-457200"/>
+            <a:r>
+              <a:rPr lang="fr-FR" dirty="0"/>
+              <a:t>Diagramme</a:t>
+            </a:r>
+          </a:p>
+          <a:p>
+            <a:pPr marL="857250" lvl="1" indent="-457200"/>
+            <a:r>
+              <a:rPr lang="fr-FR" dirty="0"/>
+              <a:t>Solutions techniques</a:t>
             </a:r>
           </a:p>
           <a:p>
             <a:pPr lvl="1"/>
-            <a:r>
-              <a:rPr lang="fr-FR" sz="2000" b="1" dirty="0"/>
-              <a:t>Indiquer la recette </a:t>
-            </a:r>
-            <a:r>
-              <a:rPr lang="fr-FR" sz="2000" dirty="0"/>
-              <a:t>de chaque pizza au pizzaïolo.</a:t>
-            </a:r>
-          </a:p>
-          <a:p>
-            <a:pPr lvl="1"/>
-            <a:r>
-              <a:rPr lang="fr-FR" sz="2000" dirty="0"/>
-              <a:t>De proposer </a:t>
-            </a:r>
-            <a:r>
-              <a:rPr lang="fr-FR" sz="2000" b="1" dirty="0"/>
-              <a:t>un site Internet </a:t>
-            </a:r>
-            <a:r>
-              <a:rPr lang="fr-FR" sz="2000" dirty="0"/>
-              <a:t>pour que les clientèles</a:t>
-            </a:r>
-          </a:p>
-          <a:p>
-            <a:pPr lvl="2"/>
-            <a:r>
-              <a:rPr lang="fr-FR" sz="1800" dirty="0"/>
-              <a:t>passer </a:t>
-            </a:r>
-            <a:r>
-              <a:rPr lang="fr-FR" sz="1800" b="1" dirty="0"/>
-              <a:t>leurs commandes en ligne</a:t>
-            </a:r>
-            <a:r>
-              <a:rPr lang="fr-FR" sz="1800" dirty="0"/>
-              <a:t>, par téléphone ou sur place</a:t>
-            </a:r>
-          </a:p>
-          <a:p>
-            <a:pPr lvl="2"/>
-            <a:r>
-              <a:rPr lang="fr-FR" sz="1800" b="1" dirty="0"/>
-              <a:t>payer en ligne </a:t>
-            </a:r>
-            <a:r>
-              <a:rPr lang="fr-FR" sz="1800" dirty="0"/>
-              <a:t>leur commande s’ils le souhaitent – sinon, payer directement à la livraison</a:t>
-            </a:r>
-          </a:p>
-          <a:p>
-            <a:pPr lvl="2"/>
-            <a:r>
-              <a:rPr lang="fr-FR" sz="1800" b="1" dirty="0"/>
-              <a:t>modifier ou annuler leur commande </a:t>
-            </a:r>
-            <a:r>
-              <a:rPr lang="fr-FR" sz="1800" dirty="0"/>
-              <a:t>tant que celle-ci n’a pas été préparée</a:t>
-            </a:r>
-          </a:p>
-          <a:p>
-            <a:pPr lvl="1"/>
-            <a:endParaRPr lang="fr-FR" sz="2000" dirty="0"/>
-          </a:p>
-          <a:p>
             <a:endParaRPr lang="fr-FR" dirty="0"/>
           </a:p>
         </p:txBody>
@@ -7401,7 +7600,157 @@
     </p:spTree>
     <p:extLst>
       <p:ext uri="{BB962C8B-B14F-4D97-AF65-F5344CB8AC3E}">
-        <p14:creationId xmlns:p14="http://schemas.microsoft.com/office/powerpoint/2010/main" val="3520507746"/>
+        <p14:creationId xmlns:p14="http://schemas.microsoft.com/office/powerpoint/2010/main" val="2659164878"/>
+      </p:ext>
+    </p:extLst>
+  </p:cSld>
+  <p:clrMapOvr>
+    <a:masterClrMapping/>
+  </p:clrMapOvr>
+</p:sld>
+</file>
+
+<file path=ppt/slides/slide20.xml><?xml version="1.0" encoding="utf-8"?>
+<p:sld xmlns:a="http://schemas.openxmlformats.org/drawingml/2006/main" xmlns:r="http://schemas.openxmlformats.org/officeDocument/2006/relationships" xmlns:p="http://schemas.openxmlformats.org/presentationml/2006/main">
+  <p:cSld>
+    <p:spTree>
+      <p:nvGrpSpPr>
+        <p:cNvPr id="1" name=""/>
+        <p:cNvGrpSpPr/>
+        <p:nvPr/>
+      </p:nvGrpSpPr>
+      <p:grpSpPr>
+        <a:xfrm>
+          <a:off x="0" y="0"/>
+          <a:ext cx="0" cy="0"/>
+          <a:chOff x="0" y="0"/>
+          <a:chExt cx="0" cy="0"/>
+        </a:xfrm>
+      </p:grpSpPr>
+      <p:sp>
+        <p:nvSpPr>
+          <p:cNvPr id="2" name="Titre 1">
+            <a:extLst>
+              <a:ext uri="{FF2B5EF4-FFF2-40B4-BE49-F238E27FC236}">
+                <a16:creationId xmlns:a16="http://schemas.microsoft.com/office/drawing/2014/main" id="{BC7F7AB4-5287-4A45-9F1B-5D0BA644256F}"/>
+              </a:ext>
+            </a:extLst>
+          </p:cNvPr>
+          <p:cNvSpPr>
+            <a:spLocks noGrp="1"/>
+          </p:cNvSpPr>
+          <p:nvPr>
+            <p:ph type="title"/>
+          </p:nvPr>
+        </p:nvSpPr>
+        <p:spPr/>
+        <p:txBody>
+          <a:bodyPr/>
+          <a:lstStyle/>
+          <a:p>
+            <a:r>
+              <a:rPr lang="fr-FR" dirty="0"/>
+              <a:t>Solution Technique</a:t>
+            </a:r>
+          </a:p>
+        </p:txBody>
+      </p:sp>
+      <p:sp>
+        <p:nvSpPr>
+          <p:cNvPr id="3" name="Espace réservé du contenu 2">
+            <a:extLst>
+              <a:ext uri="{FF2B5EF4-FFF2-40B4-BE49-F238E27FC236}">
+                <a16:creationId xmlns:a16="http://schemas.microsoft.com/office/drawing/2014/main" id="{86627AD1-E329-4A6C-81C4-7B5AA69E118D}"/>
+              </a:ext>
+            </a:extLst>
+          </p:cNvPr>
+          <p:cNvSpPr>
+            <a:spLocks noGrp="1"/>
+          </p:cNvSpPr>
+          <p:nvPr>
+            <p:ph idx="1"/>
+          </p:nvPr>
+        </p:nvSpPr>
+        <p:spPr>
+          <a:xfrm>
+            <a:off x="1104293" y="1460409"/>
+            <a:ext cx="8946541" cy="4195481"/>
+          </a:xfrm>
+        </p:spPr>
+        <p:txBody>
+          <a:bodyPr>
+            <a:normAutofit fontScale="92500" lnSpcReduction="10000"/>
+          </a:bodyPr>
+          <a:lstStyle/>
+          <a:p>
+            <a:r>
+              <a:rPr lang="fr-FR" sz="2400" b="1" dirty="0"/>
+              <a:t>Langage informatique</a:t>
+            </a:r>
+          </a:p>
+          <a:p>
+            <a:pPr lvl="1"/>
+            <a:r>
+              <a:rPr lang="fr-FR" sz="2000" dirty="0"/>
+              <a:t>Le site internet et le logiciel de gestion seront établir avec </a:t>
+            </a:r>
+            <a:r>
+              <a:rPr lang="fr-FR" dirty="0"/>
+              <a:t>Python 3 et le </a:t>
+            </a:r>
+            <a:r>
+              <a:rPr lang="fr-FR" dirty="0" err="1"/>
+              <a:t>framework</a:t>
+            </a:r>
+            <a:r>
+              <a:rPr lang="fr-FR" dirty="0"/>
+              <a:t> Django en respectant PEP 8. </a:t>
+            </a:r>
+            <a:r>
+              <a:rPr lang="fr-FR" sz="2000" dirty="0"/>
+              <a:t> </a:t>
+            </a:r>
+          </a:p>
+          <a:p>
+            <a:pPr lvl="1"/>
+            <a:r>
+              <a:rPr lang="fr-FR" sz="2000" dirty="0"/>
+              <a:t>Framework Django permettra de développer rapidement et la qualité consistante. En plus, la maintenance d’application sera plus efficace.</a:t>
+            </a:r>
+          </a:p>
+          <a:p>
+            <a:pPr marL="457200" lvl="1" indent="0">
+              <a:buNone/>
+            </a:pPr>
+            <a:endParaRPr lang="fr-FR" sz="2000" dirty="0"/>
+          </a:p>
+          <a:p>
+            <a:r>
+              <a:rPr lang="fr-FR" sz="2400" b="1" dirty="0"/>
+              <a:t> Système de gestion de base de données relationnelles (SGDBR)</a:t>
+            </a:r>
+          </a:p>
+          <a:p>
+            <a:pPr lvl="1"/>
+            <a:r>
+              <a:rPr lang="fr-FR" sz="2000" dirty="0"/>
+              <a:t>MySQL sera approprié par rapport à la taille des base données.</a:t>
+            </a:r>
+          </a:p>
+          <a:p>
+            <a:pPr lvl="1"/>
+            <a:r>
+              <a:rPr lang="fr-FR" sz="2000" dirty="0"/>
+              <a:t> la rapidité de MySQL est apte pour gérer les données en temps réel avec la sécurité.</a:t>
+            </a:r>
+            <a:endParaRPr lang="fr-FR" dirty="0"/>
+          </a:p>
+        </p:txBody>
+      </p:sp>
+    </p:spTree>
+    <p:extLst>
+      <p:ext uri="{BB962C8B-B14F-4D97-AF65-F5344CB8AC3E}">
+        <p14:creationId xmlns:p14="http://schemas.microsoft.com/office/powerpoint/2010/main" val="2312096519"/>
       </p:ext>
     </p:extLst>
   </p:cSld>
@@ -7433,7 +7782,7 @@
           <p:cNvPr id="2" name="Titre 1">
             <a:extLst>
               <a:ext uri="{FF2B5EF4-FFF2-40B4-BE49-F238E27FC236}">
-                <a16:creationId xmlns:a16="http://schemas.microsoft.com/office/drawing/2014/main" id="{6459FEF1-4914-4738-B2DB-B34C2D52E0FF}"/>
+                <a16:creationId xmlns:a16="http://schemas.microsoft.com/office/drawing/2014/main" id="{CDF39B08-3000-4A79-AC28-10F5F0D5A399}"/>
               </a:ext>
             </a:extLst>
           </p:cNvPr>
@@ -7451,7 +7800,7 @@
           <a:p>
             <a:r>
               <a:rPr lang="fr-FR" dirty="0"/>
-              <a:t>LES ACTEURS</a:t>
+              <a:t>Une Solution demandée</a:t>
             </a:r>
           </a:p>
         </p:txBody>
@@ -7461,7 +7810,7 @@
           <p:cNvPr id="3" name="Espace réservé du contenu 2">
             <a:extLst>
               <a:ext uri="{FF2B5EF4-FFF2-40B4-BE49-F238E27FC236}">
-                <a16:creationId xmlns:a16="http://schemas.microsoft.com/office/drawing/2014/main" id="{02986CB0-6F1B-4B18-8774-61B07A2344D7}"/>
+                <a16:creationId xmlns:a16="http://schemas.microsoft.com/office/drawing/2014/main" id="{EE755CFF-533B-4428-B16E-CE86AFB00FE2}"/>
               </a:ext>
             </a:extLst>
           </p:cNvPr>
@@ -7472,46 +7821,707 @@
             <p:ph idx="1"/>
           </p:nvPr>
         </p:nvSpPr>
-        <p:spPr/>
-        <p:txBody>
-          <a:bodyPr/>
+        <p:spPr>
+          <a:xfrm>
+            <a:off x="1103312" y="1562352"/>
+            <a:ext cx="8946541" cy="4686047"/>
+          </a:xfrm>
+        </p:spPr>
+        <p:txBody>
+          <a:bodyPr>
+            <a:normAutofit fontScale="77500" lnSpcReduction="20000"/>
+          </a:bodyPr>
           <a:lstStyle/>
           <a:p>
-            <a:r>
-              <a:rPr lang="fr-FR" dirty="0"/>
-              <a:t>Client</a:t>
-            </a:r>
-          </a:p>
-          <a:p>
-            <a:r>
-              <a:rPr lang="fr-FR" dirty="0"/>
-              <a:t>Réceptionniste</a:t>
-            </a:r>
-          </a:p>
-          <a:p>
-            <a:r>
-              <a:rPr lang="fr-FR" dirty="0"/>
-              <a:t>Pizzaïolo</a:t>
-            </a:r>
-          </a:p>
-          <a:p>
-            <a:r>
-              <a:rPr lang="fr-FR" dirty="0"/>
-              <a:t>Livreur</a:t>
-            </a:r>
+            <a:pPr marL="0" indent="0">
+              <a:buNone/>
+            </a:pPr>
+            <a:r>
+              <a:rPr lang="fr-FR" sz="3200" dirty="0"/>
+              <a:t>un système informatique permettrait</a:t>
+            </a:r>
+          </a:p>
+          <a:p>
+            <a:pPr lvl="1">
+              <a:lnSpc>
+                <a:spcPct val="160000"/>
+              </a:lnSpc>
+            </a:pPr>
+            <a:r>
+              <a:rPr lang="fr-FR" sz="2000" dirty="0"/>
+              <a:t>D’être </a:t>
+            </a:r>
+            <a:r>
+              <a:rPr lang="fr-FR" sz="2200" b="1" dirty="0"/>
+              <a:t>plus efficace dans la gestion </a:t>
+            </a:r>
+            <a:r>
+              <a:rPr lang="fr-FR" sz="2000" dirty="0"/>
+              <a:t>des commandes.</a:t>
+            </a:r>
+          </a:p>
+          <a:p>
+            <a:pPr lvl="1">
+              <a:lnSpc>
+                <a:spcPct val="160000"/>
+              </a:lnSpc>
+            </a:pPr>
+            <a:r>
+              <a:rPr lang="fr-FR" sz="2000" dirty="0"/>
+              <a:t>De </a:t>
+            </a:r>
+            <a:r>
+              <a:rPr lang="fr-FR" sz="2200" b="1" dirty="0"/>
+              <a:t>suivre en temps réel les commandes</a:t>
+            </a:r>
+            <a:r>
+              <a:rPr lang="fr-FR" sz="2000" b="1" dirty="0"/>
+              <a:t> </a:t>
+            </a:r>
+            <a:r>
+              <a:rPr lang="fr-FR" sz="2000" dirty="0"/>
+              <a:t>passées et en préparation.</a:t>
+            </a:r>
+          </a:p>
+          <a:p>
+            <a:pPr lvl="1">
+              <a:lnSpc>
+                <a:spcPct val="160000"/>
+              </a:lnSpc>
+            </a:pPr>
+            <a:r>
+              <a:rPr lang="fr-FR" sz="2000" dirty="0"/>
+              <a:t>De </a:t>
+            </a:r>
+            <a:r>
+              <a:rPr lang="fr-FR" sz="2200" b="1" dirty="0"/>
+              <a:t>suivre en temps réel le stock </a:t>
+            </a:r>
+            <a:r>
+              <a:rPr lang="fr-FR" sz="2000" dirty="0"/>
+              <a:t>d’ingrédient pour savoir quelles pizzas sont encore réalisables.</a:t>
+            </a:r>
+          </a:p>
+          <a:p>
+            <a:pPr lvl="1">
+              <a:lnSpc>
+                <a:spcPct val="160000"/>
+              </a:lnSpc>
+            </a:pPr>
+            <a:r>
+              <a:rPr lang="fr-FR" sz="2000" b="1" dirty="0"/>
+              <a:t>Indiquer la recette </a:t>
+            </a:r>
+            <a:r>
+              <a:rPr lang="fr-FR" sz="2000" dirty="0"/>
+              <a:t>de chaque pizza au pizzaïolo.</a:t>
+            </a:r>
+          </a:p>
+          <a:p>
+            <a:pPr lvl="1">
+              <a:lnSpc>
+                <a:spcPct val="160000"/>
+              </a:lnSpc>
+            </a:pPr>
+            <a:r>
+              <a:rPr lang="fr-FR" sz="2000" dirty="0"/>
+              <a:t>De proposer </a:t>
+            </a:r>
+            <a:r>
+              <a:rPr lang="fr-FR" sz="2000" b="1" dirty="0"/>
+              <a:t>un site Internet </a:t>
+            </a:r>
+            <a:r>
+              <a:rPr lang="fr-FR" sz="2000" dirty="0"/>
+              <a:t>pour que les clientèles</a:t>
+            </a:r>
+          </a:p>
+          <a:p>
+            <a:pPr lvl="2">
+              <a:lnSpc>
+                <a:spcPct val="160000"/>
+              </a:lnSpc>
+            </a:pPr>
+            <a:r>
+              <a:rPr lang="fr-FR" sz="1800" dirty="0"/>
+              <a:t>passer </a:t>
+            </a:r>
+            <a:r>
+              <a:rPr lang="fr-FR" sz="1800" b="1" dirty="0"/>
+              <a:t>leurs commandes en ligne</a:t>
+            </a:r>
+            <a:r>
+              <a:rPr lang="fr-FR" sz="1800" dirty="0"/>
+              <a:t>, par téléphone ou sur place</a:t>
+            </a:r>
+          </a:p>
+          <a:p>
+            <a:pPr lvl="2">
+              <a:lnSpc>
+                <a:spcPct val="160000"/>
+              </a:lnSpc>
+            </a:pPr>
+            <a:r>
+              <a:rPr lang="fr-FR" sz="1800" b="1" dirty="0"/>
+              <a:t>payer en ligne </a:t>
+            </a:r>
+            <a:r>
+              <a:rPr lang="fr-FR" sz="1800" dirty="0"/>
+              <a:t>leur commande s’ils le souhaitent – sinon, payer directement à la livraison</a:t>
+            </a:r>
+          </a:p>
+          <a:p>
+            <a:pPr lvl="2">
+              <a:lnSpc>
+                <a:spcPct val="160000"/>
+              </a:lnSpc>
+            </a:pPr>
+            <a:r>
+              <a:rPr lang="fr-FR" sz="1800" b="1" dirty="0"/>
+              <a:t>modifier ou annuler leur commande </a:t>
+            </a:r>
+            <a:r>
+              <a:rPr lang="fr-FR" sz="1800" dirty="0"/>
+              <a:t>tant que celle-ci n’a pas été préparée</a:t>
+            </a:r>
+          </a:p>
+          <a:p>
+            <a:pPr lvl="1"/>
+            <a:endParaRPr lang="fr-FR" sz="2000" dirty="0"/>
+          </a:p>
+          <a:p>
+            <a:endParaRPr lang="fr-FR" dirty="0"/>
           </a:p>
         </p:txBody>
       </p:sp>
     </p:spTree>
     <p:extLst>
       <p:ext uri="{BB962C8B-B14F-4D97-AF65-F5344CB8AC3E}">
-        <p14:creationId xmlns:p14="http://schemas.microsoft.com/office/powerpoint/2010/main" val="302291883"/>
+        <p14:creationId xmlns:p14="http://schemas.microsoft.com/office/powerpoint/2010/main" val="3520507746"/>
       </p:ext>
     </p:extLst>
   </p:cSld>
   <p:clrMapOvr>
     <a:masterClrMapping/>
   </p:clrMapOvr>
+  <p:timing>
+    <p:tnLst>
+      <p:par>
+        <p:cTn id="1" dur="indefinite" restart="never" nodeType="tmRoot">
+          <p:childTnLst>
+            <p:seq concurrent="1" nextAc="seek">
+              <p:cTn id="2" dur="indefinite" nodeType="mainSeq">
+                <p:childTnLst>
+                  <p:par>
+                    <p:cTn id="3" fill="hold">
+                      <p:stCondLst>
+                        <p:cond delay="indefinite"/>
+                      </p:stCondLst>
+                      <p:childTnLst>
+                        <p:par>
+                          <p:cTn id="4" fill="hold">
+                            <p:stCondLst>
+                              <p:cond delay="0"/>
+                            </p:stCondLst>
+                            <p:childTnLst>
+                              <p:par>
+                                <p:cTn id="5" presetID="10" presetClass="entr" presetSubtype="0" fill="hold" nodeType="clickEffect">
+                                  <p:stCondLst>
+                                    <p:cond delay="0"/>
+                                  </p:stCondLst>
+                                  <p:childTnLst>
+                                    <p:set>
+                                      <p:cBhvr>
+                                        <p:cTn id="6" dur="1" fill="hold">
+                                          <p:stCondLst>
+                                            <p:cond delay="0"/>
+                                          </p:stCondLst>
+                                        </p:cTn>
+                                        <p:tgtEl>
+                                          <p:spTgt spid="3">
+                                            <p:txEl>
+                                              <p:pRg st="1" end="1"/>
+                                            </p:txEl>
+                                          </p:spTgt>
+                                        </p:tgtEl>
+                                        <p:attrNameLst>
+                                          <p:attrName>style.visibility</p:attrName>
+                                        </p:attrNameLst>
+                                      </p:cBhvr>
+                                      <p:to>
+                                        <p:strVal val="visible"/>
+                                      </p:to>
+                                    </p:set>
+                                    <p:animEffect transition="in" filter="fade">
+                                      <p:cBhvr>
+                                        <p:cTn id="7" dur="500"/>
+                                        <p:tgtEl>
+                                          <p:spTgt spid="3">
+                                            <p:txEl>
+                                              <p:pRg st="1" end="1"/>
+                                            </p:txEl>
+                                          </p:spTgt>
+                                        </p:tgtEl>
+                                      </p:cBhvr>
+                                    </p:animEffect>
+                                  </p:childTnLst>
+                                </p:cTn>
+                              </p:par>
+                            </p:childTnLst>
+                          </p:cTn>
+                        </p:par>
+                      </p:childTnLst>
+                    </p:cTn>
+                  </p:par>
+                  <p:par>
+                    <p:cTn id="8" fill="hold">
+                      <p:stCondLst>
+                        <p:cond delay="indefinite"/>
+                      </p:stCondLst>
+                      <p:childTnLst>
+                        <p:par>
+                          <p:cTn id="9" fill="hold">
+                            <p:stCondLst>
+                              <p:cond delay="0"/>
+                            </p:stCondLst>
+                            <p:childTnLst>
+                              <p:par>
+                                <p:cTn id="10" presetID="10" presetClass="entr" presetSubtype="0" fill="hold" nodeType="clickEffect">
+                                  <p:stCondLst>
+                                    <p:cond delay="0"/>
+                                  </p:stCondLst>
+                                  <p:childTnLst>
+                                    <p:set>
+                                      <p:cBhvr>
+                                        <p:cTn id="11" dur="1" fill="hold">
+                                          <p:stCondLst>
+                                            <p:cond delay="0"/>
+                                          </p:stCondLst>
+                                        </p:cTn>
+                                        <p:tgtEl>
+                                          <p:spTgt spid="3">
+                                            <p:txEl>
+                                              <p:pRg st="2" end="2"/>
+                                            </p:txEl>
+                                          </p:spTgt>
+                                        </p:tgtEl>
+                                        <p:attrNameLst>
+                                          <p:attrName>style.visibility</p:attrName>
+                                        </p:attrNameLst>
+                                      </p:cBhvr>
+                                      <p:to>
+                                        <p:strVal val="visible"/>
+                                      </p:to>
+                                    </p:set>
+                                    <p:animEffect transition="in" filter="fade">
+                                      <p:cBhvr>
+                                        <p:cTn id="12" dur="500"/>
+                                        <p:tgtEl>
+                                          <p:spTgt spid="3">
+                                            <p:txEl>
+                                              <p:pRg st="2" end="2"/>
+                                            </p:txEl>
+                                          </p:spTgt>
+                                        </p:tgtEl>
+                                      </p:cBhvr>
+                                    </p:animEffect>
+                                  </p:childTnLst>
+                                </p:cTn>
+                              </p:par>
+                            </p:childTnLst>
+                          </p:cTn>
+                        </p:par>
+                      </p:childTnLst>
+                    </p:cTn>
+                  </p:par>
+                  <p:par>
+                    <p:cTn id="13" fill="hold">
+                      <p:stCondLst>
+                        <p:cond delay="indefinite"/>
+                      </p:stCondLst>
+                      <p:childTnLst>
+                        <p:par>
+                          <p:cTn id="14" fill="hold">
+                            <p:stCondLst>
+                              <p:cond delay="0"/>
+                            </p:stCondLst>
+                            <p:childTnLst>
+                              <p:par>
+                                <p:cTn id="15" presetID="10" presetClass="entr" presetSubtype="0" fill="hold" nodeType="clickEffect">
+                                  <p:stCondLst>
+                                    <p:cond delay="0"/>
+                                  </p:stCondLst>
+                                  <p:childTnLst>
+                                    <p:set>
+                                      <p:cBhvr>
+                                        <p:cTn id="16" dur="1" fill="hold">
+                                          <p:stCondLst>
+                                            <p:cond delay="0"/>
+                                          </p:stCondLst>
+                                        </p:cTn>
+                                        <p:tgtEl>
+                                          <p:spTgt spid="3">
+                                            <p:txEl>
+                                              <p:pRg st="3" end="3"/>
+                                            </p:txEl>
+                                          </p:spTgt>
+                                        </p:tgtEl>
+                                        <p:attrNameLst>
+                                          <p:attrName>style.visibility</p:attrName>
+                                        </p:attrNameLst>
+                                      </p:cBhvr>
+                                      <p:to>
+                                        <p:strVal val="visible"/>
+                                      </p:to>
+                                    </p:set>
+                                    <p:animEffect transition="in" filter="fade">
+                                      <p:cBhvr>
+                                        <p:cTn id="17" dur="500"/>
+                                        <p:tgtEl>
+                                          <p:spTgt spid="3">
+                                            <p:txEl>
+                                              <p:pRg st="3" end="3"/>
+                                            </p:txEl>
+                                          </p:spTgt>
+                                        </p:tgtEl>
+                                      </p:cBhvr>
+                                    </p:animEffect>
+                                  </p:childTnLst>
+                                </p:cTn>
+                              </p:par>
+                            </p:childTnLst>
+                          </p:cTn>
+                        </p:par>
+                      </p:childTnLst>
+                    </p:cTn>
+                  </p:par>
+                  <p:par>
+                    <p:cTn id="18" fill="hold">
+                      <p:stCondLst>
+                        <p:cond delay="indefinite"/>
+                      </p:stCondLst>
+                      <p:childTnLst>
+                        <p:par>
+                          <p:cTn id="19" fill="hold">
+                            <p:stCondLst>
+                              <p:cond delay="0"/>
+                            </p:stCondLst>
+                            <p:childTnLst>
+                              <p:par>
+                                <p:cTn id="20" presetID="10" presetClass="entr" presetSubtype="0" fill="hold" nodeType="clickEffect">
+                                  <p:stCondLst>
+                                    <p:cond delay="0"/>
+                                  </p:stCondLst>
+                                  <p:childTnLst>
+                                    <p:set>
+                                      <p:cBhvr>
+                                        <p:cTn id="21" dur="1" fill="hold">
+                                          <p:stCondLst>
+                                            <p:cond delay="0"/>
+                                          </p:stCondLst>
+                                        </p:cTn>
+                                        <p:tgtEl>
+                                          <p:spTgt spid="3">
+                                            <p:txEl>
+                                              <p:pRg st="4" end="4"/>
+                                            </p:txEl>
+                                          </p:spTgt>
+                                        </p:tgtEl>
+                                        <p:attrNameLst>
+                                          <p:attrName>style.visibility</p:attrName>
+                                        </p:attrNameLst>
+                                      </p:cBhvr>
+                                      <p:to>
+                                        <p:strVal val="visible"/>
+                                      </p:to>
+                                    </p:set>
+                                    <p:animEffect transition="in" filter="fade">
+                                      <p:cBhvr>
+                                        <p:cTn id="22" dur="500"/>
+                                        <p:tgtEl>
+                                          <p:spTgt spid="3">
+                                            <p:txEl>
+                                              <p:pRg st="4" end="4"/>
+                                            </p:txEl>
+                                          </p:spTgt>
+                                        </p:tgtEl>
+                                      </p:cBhvr>
+                                    </p:animEffect>
+                                  </p:childTnLst>
+                                </p:cTn>
+                              </p:par>
+                            </p:childTnLst>
+                          </p:cTn>
+                        </p:par>
+                      </p:childTnLst>
+                    </p:cTn>
+                  </p:par>
+                  <p:par>
+                    <p:cTn id="23" fill="hold">
+                      <p:stCondLst>
+                        <p:cond delay="indefinite"/>
+                      </p:stCondLst>
+                      <p:childTnLst>
+                        <p:par>
+                          <p:cTn id="24" fill="hold">
+                            <p:stCondLst>
+                              <p:cond delay="0"/>
+                            </p:stCondLst>
+                            <p:childTnLst>
+                              <p:par>
+                                <p:cTn id="25" presetID="10" presetClass="entr" presetSubtype="0" fill="hold" nodeType="clickEffect">
+                                  <p:stCondLst>
+                                    <p:cond delay="0"/>
+                                  </p:stCondLst>
+                                  <p:childTnLst>
+                                    <p:set>
+                                      <p:cBhvr>
+                                        <p:cTn id="26" dur="1" fill="hold">
+                                          <p:stCondLst>
+                                            <p:cond delay="0"/>
+                                          </p:stCondLst>
+                                        </p:cTn>
+                                        <p:tgtEl>
+                                          <p:spTgt spid="3">
+                                            <p:txEl>
+                                              <p:pRg st="5" end="5"/>
+                                            </p:txEl>
+                                          </p:spTgt>
+                                        </p:tgtEl>
+                                        <p:attrNameLst>
+                                          <p:attrName>style.visibility</p:attrName>
+                                        </p:attrNameLst>
+                                      </p:cBhvr>
+                                      <p:to>
+                                        <p:strVal val="visible"/>
+                                      </p:to>
+                                    </p:set>
+                                    <p:animEffect transition="in" filter="fade">
+                                      <p:cBhvr>
+                                        <p:cTn id="27" dur="500"/>
+                                        <p:tgtEl>
+                                          <p:spTgt spid="3">
+                                            <p:txEl>
+                                              <p:pRg st="5" end="5"/>
+                                            </p:txEl>
+                                          </p:spTgt>
+                                        </p:tgtEl>
+                                      </p:cBhvr>
+                                    </p:animEffect>
+                                  </p:childTnLst>
+                                </p:cTn>
+                              </p:par>
+                            </p:childTnLst>
+                          </p:cTn>
+                        </p:par>
+                      </p:childTnLst>
+                    </p:cTn>
+                  </p:par>
+                  <p:par>
+                    <p:cTn id="28" fill="hold">
+                      <p:stCondLst>
+                        <p:cond delay="indefinite"/>
+                      </p:stCondLst>
+                      <p:childTnLst>
+                        <p:par>
+                          <p:cTn id="29" fill="hold">
+                            <p:stCondLst>
+                              <p:cond delay="0"/>
+                            </p:stCondLst>
+                            <p:childTnLst>
+                              <p:par>
+                                <p:cTn id="30" presetID="10" presetClass="entr" presetSubtype="0" fill="hold" nodeType="clickEffect">
+                                  <p:stCondLst>
+                                    <p:cond delay="0"/>
+                                  </p:stCondLst>
+                                  <p:childTnLst>
+                                    <p:set>
+                                      <p:cBhvr>
+                                        <p:cTn id="31" dur="1" fill="hold">
+                                          <p:stCondLst>
+                                            <p:cond delay="0"/>
+                                          </p:stCondLst>
+                                        </p:cTn>
+                                        <p:tgtEl>
+                                          <p:spTgt spid="3">
+                                            <p:txEl>
+                                              <p:pRg st="6" end="6"/>
+                                            </p:txEl>
+                                          </p:spTgt>
+                                        </p:tgtEl>
+                                        <p:attrNameLst>
+                                          <p:attrName>style.visibility</p:attrName>
+                                        </p:attrNameLst>
+                                      </p:cBhvr>
+                                      <p:to>
+                                        <p:strVal val="visible"/>
+                                      </p:to>
+                                    </p:set>
+                                    <p:animEffect transition="in" filter="fade">
+                                      <p:cBhvr>
+                                        <p:cTn id="32" dur="500"/>
+                                        <p:tgtEl>
+                                          <p:spTgt spid="3">
+                                            <p:txEl>
+                                              <p:pRg st="6" end="6"/>
+                                            </p:txEl>
+                                          </p:spTgt>
+                                        </p:tgtEl>
+                                      </p:cBhvr>
+                                    </p:animEffect>
+                                  </p:childTnLst>
+                                </p:cTn>
+                              </p:par>
+                            </p:childTnLst>
+                          </p:cTn>
+                        </p:par>
+                      </p:childTnLst>
+                    </p:cTn>
+                  </p:par>
+                  <p:par>
+                    <p:cTn id="33" fill="hold">
+                      <p:stCondLst>
+                        <p:cond delay="indefinite"/>
+                      </p:stCondLst>
+                      <p:childTnLst>
+                        <p:par>
+                          <p:cTn id="34" fill="hold">
+                            <p:stCondLst>
+                              <p:cond delay="0"/>
+                            </p:stCondLst>
+                            <p:childTnLst>
+                              <p:par>
+                                <p:cTn id="35" presetID="10" presetClass="entr" presetSubtype="0" fill="hold" nodeType="clickEffect">
+                                  <p:stCondLst>
+                                    <p:cond delay="0"/>
+                                  </p:stCondLst>
+                                  <p:childTnLst>
+                                    <p:set>
+                                      <p:cBhvr>
+                                        <p:cTn id="36" dur="1" fill="hold">
+                                          <p:stCondLst>
+                                            <p:cond delay="0"/>
+                                          </p:stCondLst>
+                                        </p:cTn>
+                                        <p:tgtEl>
+                                          <p:spTgt spid="3">
+                                            <p:txEl>
+                                              <p:pRg st="7" end="7"/>
+                                            </p:txEl>
+                                          </p:spTgt>
+                                        </p:tgtEl>
+                                        <p:attrNameLst>
+                                          <p:attrName>style.visibility</p:attrName>
+                                        </p:attrNameLst>
+                                      </p:cBhvr>
+                                      <p:to>
+                                        <p:strVal val="visible"/>
+                                      </p:to>
+                                    </p:set>
+                                    <p:animEffect transition="in" filter="fade">
+                                      <p:cBhvr>
+                                        <p:cTn id="37" dur="500"/>
+                                        <p:tgtEl>
+                                          <p:spTgt spid="3">
+                                            <p:txEl>
+                                              <p:pRg st="7" end="7"/>
+                                            </p:txEl>
+                                          </p:spTgt>
+                                        </p:tgtEl>
+                                      </p:cBhvr>
+                                    </p:animEffect>
+                                  </p:childTnLst>
+                                </p:cTn>
+                              </p:par>
+                            </p:childTnLst>
+                          </p:cTn>
+                        </p:par>
+                      </p:childTnLst>
+                    </p:cTn>
+                  </p:par>
+                  <p:par>
+                    <p:cTn id="38" fill="hold">
+                      <p:stCondLst>
+                        <p:cond delay="indefinite"/>
+                      </p:stCondLst>
+                      <p:childTnLst>
+                        <p:par>
+                          <p:cTn id="39" fill="hold">
+                            <p:stCondLst>
+                              <p:cond delay="0"/>
+                            </p:stCondLst>
+                            <p:childTnLst>
+                              <p:par>
+                                <p:cTn id="40" presetID="10" presetClass="entr" presetSubtype="0" fill="hold" nodeType="clickEffect">
+                                  <p:stCondLst>
+                                    <p:cond delay="0"/>
+                                  </p:stCondLst>
+                                  <p:childTnLst>
+                                    <p:set>
+                                      <p:cBhvr>
+                                        <p:cTn id="41" dur="1" fill="hold">
+                                          <p:stCondLst>
+                                            <p:cond delay="0"/>
+                                          </p:stCondLst>
+                                        </p:cTn>
+                                        <p:tgtEl>
+                                          <p:spTgt spid="3">
+                                            <p:txEl>
+                                              <p:pRg st="8" end="8"/>
+                                            </p:txEl>
+                                          </p:spTgt>
+                                        </p:tgtEl>
+                                        <p:attrNameLst>
+                                          <p:attrName>style.visibility</p:attrName>
+                                        </p:attrNameLst>
+                                      </p:cBhvr>
+                                      <p:to>
+                                        <p:strVal val="visible"/>
+                                      </p:to>
+                                    </p:set>
+                                    <p:animEffect transition="in" filter="fade">
+                                      <p:cBhvr>
+                                        <p:cTn id="42" dur="500"/>
+                                        <p:tgtEl>
+                                          <p:spTgt spid="3">
+                                            <p:txEl>
+                                              <p:pRg st="8" end="8"/>
+                                            </p:txEl>
+                                          </p:spTgt>
+                                        </p:tgtEl>
+                                      </p:cBhvr>
+                                    </p:animEffect>
+                                  </p:childTnLst>
+                                </p:cTn>
+                              </p:par>
+                            </p:childTnLst>
+                          </p:cTn>
+                        </p:par>
+                      </p:childTnLst>
+                    </p:cTn>
+                  </p:par>
+                </p:childTnLst>
+              </p:cTn>
+              <p:prevCondLst>
+                <p:cond evt="onPrev" delay="0">
+                  <p:tgtEl>
+                    <p:sldTgt/>
+                  </p:tgtEl>
+                </p:cond>
+              </p:prevCondLst>
+              <p:nextCondLst>
+                <p:cond evt="onNext" delay="0">
+                  <p:tgtEl>
+                    <p:sldTgt/>
+                  </p:tgtEl>
+                </p:cond>
+              </p:nextCondLst>
+            </p:seq>
+          </p:childTnLst>
+        </p:cTn>
+      </p:par>
+    </p:tnLst>
+  </p:timing>
 </p:sld>
 </file>
 
@@ -7537,7 +8547,7 @@
           <p:cNvPr id="2" name="Titre 1">
             <a:extLst>
               <a:ext uri="{FF2B5EF4-FFF2-40B4-BE49-F238E27FC236}">
-                <a16:creationId xmlns:a16="http://schemas.microsoft.com/office/drawing/2014/main" id="{190BAFC0-EC43-4F3A-9243-B5DAF24B084C}"/>
+                <a16:creationId xmlns:a16="http://schemas.microsoft.com/office/drawing/2014/main" id="{6C6B9CAA-28B3-4EEF-9FE8-26A35A965AEE}"/>
               </a:ext>
             </a:extLst>
           </p:cNvPr>
@@ -7545,7 +8555,7 @@
             <a:spLocks noGrp="1"/>
           </p:cNvSpPr>
           <p:nvPr>
-            <p:ph type="title"/>
+            <p:ph type="ctrTitle"/>
           </p:nvPr>
         </p:nvSpPr>
         <p:spPr/>
@@ -7555,17 +8565,17 @@
           <a:p>
             <a:r>
               <a:rPr lang="fr-FR" dirty="0"/>
-              <a:t>Rôle d’Acteur</a:t>
-            </a:r>
-          </a:p>
-        </p:txBody>
-      </p:sp>
-      <p:sp>
-        <p:nvSpPr>
-          <p:cNvPr id="3" name="Espace réservé du contenu 2">
+              <a:t>Les Spécifications Fonctionnelles</a:t>
+            </a:r>
+          </a:p>
+        </p:txBody>
+      </p:sp>
+      <p:sp>
+        <p:nvSpPr>
+          <p:cNvPr id="3" name="Sous-titre 2">
             <a:extLst>
               <a:ext uri="{FF2B5EF4-FFF2-40B4-BE49-F238E27FC236}">
-                <a16:creationId xmlns:a16="http://schemas.microsoft.com/office/drawing/2014/main" id="{5856E195-2055-4501-91E1-C7D7C1083446}"/>
+                <a16:creationId xmlns:a16="http://schemas.microsoft.com/office/drawing/2014/main" id="{43515148-E2E5-4C6B-AE18-1C5EAA515009}"/>
               </a:ext>
             </a:extLst>
           </p:cNvPr>
@@ -7573,7 +8583,7 @@
             <a:spLocks noGrp="1"/>
           </p:cNvSpPr>
           <p:nvPr>
-            <p:ph idx="1"/>
+            <p:ph type="subTitle" idx="1"/>
           </p:nvPr>
         </p:nvSpPr>
         <p:spPr/>
@@ -7581,51 +8591,14 @@
           <a:bodyPr/>
           <a:lstStyle/>
           <a:p>
-            <a:r>
-              <a:rPr lang="fr-FR" sz="2800" b="1" dirty="0"/>
-              <a:t>Client</a:t>
-            </a:r>
-          </a:p>
-          <a:p>
-            <a:pPr lvl="1"/>
-            <a:r>
-              <a:rPr lang="fr-FR" sz="2400" dirty="0"/>
-              <a:t>Passer une commande en ligne ou hors ligne</a:t>
-            </a:r>
-          </a:p>
-          <a:p>
-            <a:pPr lvl="1"/>
-            <a:r>
-              <a:rPr lang="fr-FR" sz="2400" dirty="0"/>
-              <a:t>Suivre la statut de la commande</a:t>
-            </a:r>
-          </a:p>
-          <a:p>
-            <a:pPr lvl="1"/>
-            <a:r>
-              <a:rPr lang="fr-FR" sz="2400" dirty="0"/>
-              <a:t>Modifier ou annuler la commande si possible</a:t>
-            </a:r>
-          </a:p>
-          <a:p>
-            <a:pPr lvl="1"/>
-            <a:r>
-              <a:rPr lang="fr-FR" sz="2400" dirty="0"/>
-              <a:t>Payer en ligne ou hors ligne</a:t>
-            </a:r>
-          </a:p>
-          <a:p>
-            <a:pPr marL="457200" lvl="1" indent="0">
-              <a:buNone/>
-            </a:pPr>
-            <a:endParaRPr lang="fr-FR" dirty="0"/>
+            <a:endParaRPr lang="fr-FR"/>
           </a:p>
         </p:txBody>
       </p:sp>
     </p:spTree>
     <p:extLst>
       <p:ext uri="{BB962C8B-B14F-4D97-AF65-F5344CB8AC3E}">
-        <p14:creationId xmlns:p14="http://schemas.microsoft.com/office/powerpoint/2010/main" val="3292740807"/>
+        <p14:creationId xmlns:p14="http://schemas.microsoft.com/office/powerpoint/2010/main" val="1973011369"/>
       </p:ext>
     </p:extLst>
   </p:cSld>
@@ -7657,7 +8630,7 @@
           <p:cNvPr id="2" name="Titre 1">
             <a:extLst>
               <a:ext uri="{FF2B5EF4-FFF2-40B4-BE49-F238E27FC236}">
-                <a16:creationId xmlns:a16="http://schemas.microsoft.com/office/drawing/2014/main" id="{0E032E16-B52F-445E-9BF8-D32E434583F2}"/>
+                <a16:creationId xmlns:a16="http://schemas.microsoft.com/office/drawing/2014/main" id="{6459FEF1-4914-4738-B2DB-B34C2D52E0FF}"/>
               </a:ext>
             </a:extLst>
           </p:cNvPr>
@@ -7675,7 +8648,7 @@
           <a:p>
             <a:r>
               <a:rPr lang="fr-FR" dirty="0"/>
-              <a:t>Rôle d’Acteur</a:t>
+              <a:t>LES ACTEURS</a:t>
             </a:r>
           </a:p>
         </p:txBody>
@@ -7685,7 +8658,7 @@
           <p:cNvPr id="3" name="Espace réservé du contenu 2">
             <a:extLst>
               <a:ext uri="{FF2B5EF4-FFF2-40B4-BE49-F238E27FC236}">
-                <a16:creationId xmlns:a16="http://schemas.microsoft.com/office/drawing/2014/main" id="{90037523-2CAB-45D3-8BD0-7B293AE4745B}"/>
+                <a16:creationId xmlns:a16="http://schemas.microsoft.com/office/drawing/2014/main" id="{02986CB0-6F1B-4B18-8774-61B07A2344D7}"/>
               </a:ext>
             </a:extLst>
           </p:cNvPr>
@@ -7701,55 +8674,64 @@
           <a:bodyPr/>
           <a:lstStyle/>
           <a:p>
-            <a:r>
-              <a:rPr lang="fr-FR" sz="2800" b="1" dirty="0"/>
+            <a:pPr marL="457200" indent="-457200">
+              <a:lnSpc>
+                <a:spcPct val="150000"/>
+              </a:lnSpc>
+              <a:buFont typeface="+mj-lt"/>
+              <a:buAutoNum type="arabicPeriod"/>
+            </a:pPr>
+            <a:r>
+              <a:rPr lang="fr-FR" sz="3200" b="1" dirty="0"/>
+              <a:t>Client</a:t>
+            </a:r>
+          </a:p>
+          <a:p>
+            <a:pPr marL="457200" indent="-457200">
+              <a:lnSpc>
+                <a:spcPct val="150000"/>
+              </a:lnSpc>
+              <a:buFont typeface="+mj-lt"/>
+              <a:buAutoNum type="arabicPeriod"/>
+            </a:pPr>
+            <a:r>
+              <a:rPr lang="fr-FR" sz="3200" b="1" dirty="0"/>
               <a:t>Réceptionniste</a:t>
             </a:r>
           </a:p>
           <a:p>
-            <a:pPr lvl="1"/>
-            <a:r>
-              <a:rPr lang="fr-FR" sz="2400" dirty="0"/>
-              <a:t>Encaisser ou faire une transaction de CB</a:t>
-            </a:r>
-          </a:p>
-          <a:p>
-            <a:pPr lvl="1"/>
-            <a:r>
-              <a:rPr lang="fr-FR" sz="2400" dirty="0"/>
-              <a:t>Enregistrer une commande</a:t>
-            </a:r>
-          </a:p>
-          <a:p>
-            <a:pPr lvl="1"/>
-            <a:r>
-              <a:rPr lang="fr-FR" sz="2400" dirty="0"/>
-              <a:t>Modifier ou annuler la commande</a:t>
-            </a:r>
-          </a:p>
-          <a:p>
-            <a:pPr lvl="1"/>
-            <a:r>
-              <a:rPr lang="fr-FR" sz="2400" dirty="0"/>
-              <a:t>Consulter les pizza indisponible</a:t>
-            </a:r>
-          </a:p>
-          <a:p>
-            <a:pPr marL="457200" lvl="1" indent="0">
-              <a:buNone/>
+            <a:pPr marL="457200" indent="-457200">
+              <a:lnSpc>
+                <a:spcPct val="150000"/>
+              </a:lnSpc>
+              <a:buFont typeface="+mj-lt"/>
+              <a:buAutoNum type="arabicPeriod"/>
             </a:pPr>
-            <a:endParaRPr lang="fr-FR" dirty="0"/>
-          </a:p>
-          <a:p>
-            <a:pPr lvl="1"/>
-            <a:endParaRPr lang="fr-FR" dirty="0"/>
+            <a:r>
+              <a:rPr lang="fr-FR" sz="3200" b="1" dirty="0"/>
+              <a:t>Pizzaïolo</a:t>
+            </a:r>
+          </a:p>
+          <a:p>
+            <a:pPr marL="457200" indent="-457200">
+              <a:lnSpc>
+                <a:spcPct val="150000"/>
+              </a:lnSpc>
+              <a:buFont typeface="+mj-lt"/>
+              <a:buAutoNum type="arabicPeriod"/>
+            </a:pPr>
+            <a:r>
+              <a:rPr lang="fr-FR" sz="3200" b="1" dirty="0"/>
+              <a:t>Livreur</a:t>
+            </a:r>
+            <a:endParaRPr lang="fr-FR" b="1" dirty="0"/>
           </a:p>
         </p:txBody>
       </p:sp>
     </p:spTree>
     <p:extLst>
       <p:ext uri="{BB962C8B-B14F-4D97-AF65-F5344CB8AC3E}">
-        <p14:creationId xmlns:p14="http://schemas.microsoft.com/office/powerpoint/2010/main" val="2959706444"/>
+        <p14:creationId xmlns:p14="http://schemas.microsoft.com/office/powerpoint/2010/main" val="302291883"/>
       </p:ext>
     </p:extLst>
   </p:cSld>
@@ -7781,7 +8763,7 @@
           <p:cNvPr id="2" name="Titre 1">
             <a:extLst>
               <a:ext uri="{FF2B5EF4-FFF2-40B4-BE49-F238E27FC236}">
-                <a16:creationId xmlns:a16="http://schemas.microsoft.com/office/drawing/2014/main" id="{ACA64FC4-12CC-4E4C-8326-4DDBFE293B00}"/>
+                <a16:creationId xmlns:a16="http://schemas.microsoft.com/office/drawing/2014/main" id="{190BAFC0-EC43-4F3A-9243-B5DAF24B084C}"/>
               </a:ext>
             </a:extLst>
           </p:cNvPr>
@@ -7799,7 +8781,7 @@
           <a:p>
             <a:r>
               <a:rPr lang="fr-FR" dirty="0"/>
-              <a:t>Rôle d’Acteur</a:t>
+              <a:t>Les Rôles</a:t>
             </a:r>
           </a:p>
         </p:txBody>
@@ -7809,7 +8791,7 @@
           <p:cNvPr id="3" name="Espace réservé du contenu 2">
             <a:extLst>
               <a:ext uri="{FF2B5EF4-FFF2-40B4-BE49-F238E27FC236}">
-                <a16:creationId xmlns:a16="http://schemas.microsoft.com/office/drawing/2014/main" id="{E18F652A-4EEC-47CF-A8F7-FAA830BB4B70}"/>
+                <a16:creationId xmlns:a16="http://schemas.microsoft.com/office/drawing/2014/main" id="{5856E195-2055-4501-91E1-C7D7C1083446}"/>
               </a:ext>
             </a:extLst>
           </p:cNvPr>
@@ -7822,56 +8804,363 @@
         </p:nvSpPr>
         <p:spPr/>
         <p:txBody>
-          <a:bodyPr>
-            <a:normAutofit/>
-          </a:bodyPr>
+          <a:bodyPr/>
           <a:lstStyle/>
           <a:p>
+            <a:pPr>
+              <a:lnSpc>
+                <a:spcPct val="150000"/>
+              </a:lnSpc>
+            </a:pPr>
             <a:r>
               <a:rPr lang="fr-FR" sz="2800" b="1" dirty="0"/>
-              <a:t>Pizzaïolo</a:t>
-            </a:r>
-          </a:p>
-          <a:p>
-            <a:pPr lvl="1"/>
+              <a:t>Client</a:t>
+            </a:r>
+          </a:p>
+          <a:p>
+            <a:pPr marL="914400" lvl="1" indent="-457200">
+              <a:lnSpc>
+                <a:spcPct val="150000"/>
+              </a:lnSpc>
+              <a:buFont typeface="+mj-lt"/>
+              <a:buAutoNum type="arabicPeriod"/>
+            </a:pPr>
             <a:r>
               <a:rPr lang="fr-FR" sz="2400" dirty="0"/>
-              <a:t>Consulter les commandes</a:t>
-            </a:r>
-          </a:p>
-          <a:p>
-            <a:pPr lvl="1"/>
+              <a:t>Passer une commande en ligne ou hors ligne</a:t>
+            </a:r>
+          </a:p>
+          <a:p>
+            <a:pPr marL="914400" lvl="1" indent="-457200">
+              <a:lnSpc>
+                <a:spcPct val="150000"/>
+              </a:lnSpc>
+              <a:buFont typeface="+mj-lt"/>
+              <a:buAutoNum type="arabicPeriod"/>
+            </a:pPr>
             <a:r>
               <a:rPr lang="fr-FR" sz="2400" dirty="0"/>
-              <a:t>Consulter la recette</a:t>
-            </a:r>
-          </a:p>
-          <a:p>
-            <a:pPr lvl="1"/>
+              <a:t>Suivre la statut de la commande</a:t>
+            </a:r>
+          </a:p>
+          <a:p>
+            <a:pPr marL="914400" lvl="1" indent="-457200">
+              <a:lnSpc>
+                <a:spcPct val="150000"/>
+              </a:lnSpc>
+              <a:buFont typeface="+mj-lt"/>
+              <a:buAutoNum type="arabicPeriod"/>
+            </a:pPr>
             <a:r>
               <a:rPr lang="fr-FR" sz="2400" dirty="0"/>
-              <a:t>Modifier la statut d’une commande</a:t>
-            </a:r>
-          </a:p>
-          <a:p>
-            <a:pPr lvl="1"/>
+              <a:t>Modifier ou annuler la commande si possible</a:t>
+            </a:r>
+          </a:p>
+          <a:p>
+            <a:pPr marL="914400" lvl="1" indent="-457200">
+              <a:lnSpc>
+                <a:spcPct val="150000"/>
+              </a:lnSpc>
+              <a:buFont typeface="+mj-lt"/>
+              <a:buAutoNum type="arabicPeriod"/>
+            </a:pPr>
             <a:r>
               <a:rPr lang="fr-FR" sz="2400" dirty="0"/>
-              <a:t>Mettre à jour le stock</a:t>
-            </a:r>
+              <a:t>Payer en ligne ou hors ligne</a:t>
+            </a:r>
+          </a:p>
+          <a:p>
+            <a:pPr marL="457200" lvl="1" indent="0">
+              <a:buNone/>
+            </a:pPr>
+            <a:endParaRPr lang="fr-FR" dirty="0"/>
           </a:p>
         </p:txBody>
       </p:sp>
     </p:spTree>
     <p:extLst>
       <p:ext uri="{BB962C8B-B14F-4D97-AF65-F5344CB8AC3E}">
-        <p14:creationId xmlns:p14="http://schemas.microsoft.com/office/powerpoint/2010/main" val="1671235555"/>
+        <p14:creationId xmlns:p14="http://schemas.microsoft.com/office/powerpoint/2010/main" val="3292740807"/>
       </p:ext>
     </p:extLst>
   </p:cSld>
   <p:clrMapOvr>
     <a:masterClrMapping/>
   </p:clrMapOvr>
+  <p:timing>
+    <p:tnLst>
+      <p:par>
+        <p:cTn id="1" dur="indefinite" restart="never" nodeType="tmRoot">
+          <p:childTnLst>
+            <p:seq concurrent="1" nextAc="seek">
+              <p:cTn id="2" dur="indefinite" nodeType="mainSeq">
+                <p:childTnLst>
+                  <p:par>
+                    <p:cTn id="3" fill="hold">
+                      <p:stCondLst>
+                        <p:cond delay="indefinite"/>
+                      </p:stCondLst>
+                      <p:childTnLst>
+                        <p:par>
+                          <p:cTn id="4" fill="hold">
+                            <p:stCondLst>
+                              <p:cond delay="0"/>
+                            </p:stCondLst>
+                            <p:childTnLst>
+                              <p:par>
+                                <p:cTn id="5" presetID="10" presetClass="entr" presetSubtype="0" fill="hold" nodeType="clickEffect">
+                                  <p:stCondLst>
+                                    <p:cond delay="0"/>
+                                  </p:stCondLst>
+                                  <p:childTnLst>
+                                    <p:set>
+                                      <p:cBhvr>
+                                        <p:cTn id="6" dur="1" fill="hold">
+                                          <p:stCondLst>
+                                            <p:cond delay="0"/>
+                                          </p:stCondLst>
+                                        </p:cTn>
+                                        <p:tgtEl>
+                                          <p:spTgt spid="3">
+                                            <p:txEl>
+                                              <p:pRg st="1" end="1"/>
+                                            </p:txEl>
+                                          </p:spTgt>
+                                        </p:tgtEl>
+                                        <p:attrNameLst>
+                                          <p:attrName>style.visibility</p:attrName>
+                                        </p:attrNameLst>
+                                      </p:cBhvr>
+                                      <p:to>
+                                        <p:strVal val="visible"/>
+                                      </p:to>
+                                    </p:set>
+                                    <p:animEffect transition="in" filter="fade">
+                                      <p:cBhvr>
+                                        <p:cTn id="7" dur="500"/>
+                                        <p:tgtEl>
+                                          <p:spTgt spid="3">
+                                            <p:txEl>
+                                              <p:pRg st="1" end="1"/>
+                                            </p:txEl>
+                                          </p:spTgt>
+                                        </p:tgtEl>
+                                      </p:cBhvr>
+                                    </p:animEffect>
+                                  </p:childTnLst>
+                                </p:cTn>
+                              </p:par>
+                            </p:childTnLst>
+                          </p:cTn>
+                        </p:par>
+                      </p:childTnLst>
+                    </p:cTn>
+                  </p:par>
+                  <p:par>
+                    <p:cTn id="8" fill="hold">
+                      <p:stCondLst>
+                        <p:cond delay="indefinite"/>
+                      </p:stCondLst>
+                      <p:childTnLst>
+                        <p:par>
+                          <p:cTn id="9" fill="hold">
+                            <p:stCondLst>
+                              <p:cond delay="0"/>
+                            </p:stCondLst>
+                            <p:childTnLst>
+                              <p:par>
+                                <p:cTn id="10" presetID="10" presetClass="entr" presetSubtype="0" fill="hold" nodeType="clickEffect">
+                                  <p:stCondLst>
+                                    <p:cond delay="0"/>
+                                  </p:stCondLst>
+                                  <p:childTnLst>
+                                    <p:set>
+                                      <p:cBhvr>
+                                        <p:cTn id="11" dur="1" fill="hold">
+                                          <p:stCondLst>
+                                            <p:cond delay="0"/>
+                                          </p:stCondLst>
+                                        </p:cTn>
+                                        <p:tgtEl>
+                                          <p:spTgt spid="3">
+                                            <p:txEl>
+                                              <p:pRg st="2" end="2"/>
+                                            </p:txEl>
+                                          </p:spTgt>
+                                        </p:tgtEl>
+                                        <p:attrNameLst>
+                                          <p:attrName>style.visibility</p:attrName>
+                                        </p:attrNameLst>
+                                      </p:cBhvr>
+                                      <p:to>
+                                        <p:strVal val="visible"/>
+                                      </p:to>
+                                    </p:set>
+                                    <p:animEffect transition="in" filter="fade">
+                                      <p:cBhvr>
+                                        <p:cTn id="12" dur="500"/>
+                                        <p:tgtEl>
+                                          <p:spTgt spid="3">
+                                            <p:txEl>
+                                              <p:pRg st="2" end="2"/>
+                                            </p:txEl>
+                                          </p:spTgt>
+                                        </p:tgtEl>
+                                      </p:cBhvr>
+                                    </p:animEffect>
+                                  </p:childTnLst>
+                                </p:cTn>
+                              </p:par>
+                            </p:childTnLst>
+                          </p:cTn>
+                        </p:par>
+                      </p:childTnLst>
+                    </p:cTn>
+                  </p:par>
+                  <p:par>
+                    <p:cTn id="13" fill="hold">
+                      <p:stCondLst>
+                        <p:cond delay="indefinite"/>
+                      </p:stCondLst>
+                      <p:childTnLst>
+                        <p:par>
+                          <p:cTn id="14" fill="hold">
+                            <p:stCondLst>
+                              <p:cond delay="0"/>
+                            </p:stCondLst>
+                            <p:childTnLst>
+                              <p:par>
+                                <p:cTn id="15" presetID="10" presetClass="entr" presetSubtype="0" fill="hold" nodeType="clickEffect">
+                                  <p:stCondLst>
+                                    <p:cond delay="0"/>
+                                  </p:stCondLst>
+                                  <p:childTnLst>
+                                    <p:set>
+                                      <p:cBhvr>
+                                        <p:cTn id="16" dur="1" fill="hold">
+                                          <p:stCondLst>
+                                            <p:cond delay="0"/>
+                                          </p:stCondLst>
+                                        </p:cTn>
+                                        <p:tgtEl>
+                                          <p:spTgt spid="3">
+                                            <p:txEl>
+                                              <p:pRg st="3" end="3"/>
+                                            </p:txEl>
+                                          </p:spTgt>
+                                        </p:tgtEl>
+                                        <p:attrNameLst>
+                                          <p:attrName>style.visibility</p:attrName>
+                                        </p:attrNameLst>
+                                      </p:cBhvr>
+                                      <p:to>
+                                        <p:strVal val="visible"/>
+                                      </p:to>
+                                    </p:set>
+                                    <p:animEffect transition="in" filter="fade">
+                                      <p:cBhvr>
+                                        <p:cTn id="17" dur="500"/>
+                                        <p:tgtEl>
+                                          <p:spTgt spid="3">
+                                            <p:txEl>
+                                              <p:pRg st="3" end="3"/>
+                                            </p:txEl>
+                                          </p:spTgt>
+                                        </p:tgtEl>
+                                      </p:cBhvr>
+                                    </p:animEffect>
+                                  </p:childTnLst>
+                                </p:cTn>
+                              </p:par>
+                            </p:childTnLst>
+                          </p:cTn>
+                        </p:par>
+                      </p:childTnLst>
+                    </p:cTn>
+                  </p:par>
+                  <p:par>
+                    <p:cTn id="18" fill="hold">
+                      <p:stCondLst>
+                        <p:cond delay="indefinite"/>
+                      </p:stCondLst>
+                      <p:childTnLst>
+                        <p:par>
+                          <p:cTn id="19" fill="hold">
+                            <p:stCondLst>
+                              <p:cond delay="0"/>
+                            </p:stCondLst>
+                            <p:childTnLst>
+                              <p:par>
+                                <p:cTn id="20" presetID="10" presetClass="entr" presetSubtype="0" fill="hold" nodeType="clickEffect">
+                                  <p:stCondLst>
+                                    <p:cond delay="0"/>
+                                  </p:stCondLst>
+                                  <p:childTnLst>
+                                    <p:set>
+                                      <p:cBhvr>
+                                        <p:cTn id="21" dur="1" fill="hold">
+                                          <p:stCondLst>
+                                            <p:cond delay="0"/>
+                                          </p:stCondLst>
+                                        </p:cTn>
+                                        <p:tgtEl>
+                                          <p:spTgt spid="3">
+                                            <p:txEl>
+                                              <p:pRg st="4" end="4"/>
+                                            </p:txEl>
+                                          </p:spTgt>
+                                        </p:tgtEl>
+                                        <p:attrNameLst>
+                                          <p:attrName>style.visibility</p:attrName>
+                                        </p:attrNameLst>
+                                      </p:cBhvr>
+                                      <p:to>
+                                        <p:strVal val="visible"/>
+                                      </p:to>
+                                    </p:set>
+                                    <p:animEffect transition="in" filter="fade">
+                                      <p:cBhvr>
+                                        <p:cTn id="22" dur="500"/>
+                                        <p:tgtEl>
+                                          <p:spTgt spid="3">
+                                            <p:txEl>
+                                              <p:pRg st="4" end="4"/>
+                                            </p:txEl>
+                                          </p:spTgt>
+                                        </p:tgtEl>
+                                      </p:cBhvr>
+                                    </p:animEffect>
+                                  </p:childTnLst>
+                                </p:cTn>
+                              </p:par>
+                            </p:childTnLst>
+                          </p:cTn>
+                        </p:par>
+                      </p:childTnLst>
+                    </p:cTn>
+                  </p:par>
+                </p:childTnLst>
+              </p:cTn>
+              <p:prevCondLst>
+                <p:cond evt="onPrev" delay="0">
+                  <p:tgtEl>
+                    <p:sldTgt/>
+                  </p:tgtEl>
+                </p:cond>
+              </p:prevCondLst>
+              <p:nextCondLst>
+                <p:cond evt="onNext" delay="0">
+                  <p:tgtEl>
+                    <p:sldTgt/>
+                  </p:tgtEl>
+                </p:cond>
+              </p:nextCondLst>
+            </p:seq>
+          </p:childTnLst>
+        </p:cTn>
+      </p:par>
+    </p:tnLst>
+  </p:timing>
 </p:sld>
 </file>
 
@@ -7897,7 +9186,7 @@
           <p:cNvPr id="2" name="Titre 1">
             <a:extLst>
               <a:ext uri="{FF2B5EF4-FFF2-40B4-BE49-F238E27FC236}">
-                <a16:creationId xmlns:a16="http://schemas.microsoft.com/office/drawing/2014/main" id="{B51A502B-1EB8-4315-9100-0808AC19F621}"/>
+                <a16:creationId xmlns:a16="http://schemas.microsoft.com/office/drawing/2014/main" id="{0E032E16-B52F-445E-9BF8-D32E434583F2}"/>
               </a:ext>
             </a:extLst>
           </p:cNvPr>
@@ -7915,7 +9204,7 @@
           <a:p>
             <a:r>
               <a:rPr lang="fr-FR" dirty="0"/>
-              <a:t>Rôle d’Acteur</a:t>
+              <a:t>Les Rôles</a:t>
             </a:r>
           </a:p>
         </p:txBody>
@@ -7925,7 +9214,7 @@
           <p:cNvPr id="3" name="Espace réservé du contenu 2">
             <a:extLst>
               <a:ext uri="{FF2B5EF4-FFF2-40B4-BE49-F238E27FC236}">
-                <a16:creationId xmlns:a16="http://schemas.microsoft.com/office/drawing/2014/main" id="{D3975F5A-57BA-4FF3-9587-579E8BFFC42A}"/>
+                <a16:creationId xmlns:a16="http://schemas.microsoft.com/office/drawing/2014/main" id="{90037523-2CAB-45D3-8BD0-7B293AE4745B}"/>
               </a:ext>
             </a:extLst>
           </p:cNvPr>
@@ -7941,31 +9230,73 @@
           <a:bodyPr/>
           <a:lstStyle/>
           <a:p>
+            <a:pPr>
+              <a:lnSpc>
+                <a:spcPct val="150000"/>
+              </a:lnSpc>
+            </a:pPr>
             <a:r>
               <a:rPr lang="fr-FR" sz="2800" b="1" dirty="0"/>
-              <a:t>Livreur</a:t>
-            </a:r>
-          </a:p>
-          <a:p>
-            <a:pPr lvl="1"/>
+              <a:t>Réceptionniste</a:t>
+            </a:r>
+          </a:p>
+          <a:p>
+            <a:pPr marL="914400" lvl="1" indent="-457200">
+              <a:lnSpc>
+                <a:spcPct val="150000"/>
+              </a:lnSpc>
+              <a:buFont typeface="+mj-lt"/>
+              <a:buAutoNum type="arabicPeriod"/>
+            </a:pPr>
             <a:r>
               <a:rPr lang="fr-FR" sz="2400" dirty="0"/>
-              <a:t>Modifier la statut d’une commande</a:t>
-            </a:r>
-          </a:p>
-          <a:p>
-            <a:pPr lvl="1"/>
+              <a:t>Encaisser ou faire une transaction de CB</a:t>
+            </a:r>
+          </a:p>
+          <a:p>
+            <a:pPr marL="914400" lvl="1" indent="-457200">
+              <a:lnSpc>
+                <a:spcPct val="150000"/>
+              </a:lnSpc>
+              <a:buFont typeface="+mj-lt"/>
+              <a:buAutoNum type="arabicPeriod"/>
+            </a:pPr>
             <a:r>
               <a:rPr lang="fr-FR" sz="2400" dirty="0"/>
-              <a:t>Consulter les coordonnées des clients</a:t>
-            </a:r>
-          </a:p>
-          <a:p>
-            <a:pPr lvl="1"/>
+              <a:t>Enregistrer une commande</a:t>
+            </a:r>
+          </a:p>
+          <a:p>
+            <a:pPr marL="914400" lvl="1" indent="-457200">
+              <a:lnSpc>
+                <a:spcPct val="150000"/>
+              </a:lnSpc>
+              <a:buFont typeface="+mj-lt"/>
+              <a:buAutoNum type="arabicPeriod"/>
+            </a:pPr>
             <a:r>
               <a:rPr lang="fr-FR" sz="2400" dirty="0"/>
-              <a:t>Faire une transaction de CB</a:t>
-            </a:r>
+              <a:t>Modifier ou annuler la commande</a:t>
+            </a:r>
+          </a:p>
+          <a:p>
+            <a:pPr marL="914400" lvl="1" indent="-457200">
+              <a:lnSpc>
+                <a:spcPct val="150000"/>
+              </a:lnSpc>
+              <a:buFont typeface="+mj-lt"/>
+              <a:buAutoNum type="arabicPeriod"/>
+            </a:pPr>
+            <a:r>
+              <a:rPr lang="fr-FR" sz="2400" dirty="0"/>
+              <a:t>Consulter les pizza indisponible</a:t>
+            </a:r>
+          </a:p>
+          <a:p>
+            <a:pPr marL="457200" lvl="1" indent="0">
+              <a:buNone/>
+            </a:pPr>
+            <a:endParaRPr lang="fr-FR" dirty="0"/>
           </a:p>
           <a:p>
             <a:pPr lvl="1"/>
@@ -7976,13 +9307,287 @@
     </p:spTree>
     <p:extLst>
       <p:ext uri="{BB962C8B-B14F-4D97-AF65-F5344CB8AC3E}">
-        <p14:creationId xmlns:p14="http://schemas.microsoft.com/office/powerpoint/2010/main" val="3756452696"/>
+        <p14:creationId xmlns:p14="http://schemas.microsoft.com/office/powerpoint/2010/main" val="2959706444"/>
       </p:ext>
     </p:extLst>
   </p:cSld>
   <p:clrMapOvr>
     <a:masterClrMapping/>
   </p:clrMapOvr>
+  <p:timing>
+    <p:tnLst>
+      <p:par>
+        <p:cTn id="1" dur="indefinite" restart="never" nodeType="tmRoot">
+          <p:childTnLst>
+            <p:seq concurrent="1" nextAc="seek">
+              <p:cTn id="2" dur="indefinite" nodeType="mainSeq">
+                <p:childTnLst>
+                  <p:par>
+                    <p:cTn id="3" fill="hold">
+                      <p:stCondLst>
+                        <p:cond delay="indefinite"/>
+                      </p:stCondLst>
+                      <p:childTnLst>
+                        <p:par>
+                          <p:cTn id="4" fill="hold">
+                            <p:stCondLst>
+                              <p:cond delay="0"/>
+                            </p:stCondLst>
+                            <p:childTnLst>
+                              <p:par>
+                                <p:cTn id="5" presetID="10" presetClass="entr" presetSubtype="0" fill="hold" nodeType="clickEffect">
+                                  <p:stCondLst>
+                                    <p:cond delay="0"/>
+                                  </p:stCondLst>
+                                  <p:childTnLst>
+                                    <p:set>
+                                      <p:cBhvr>
+                                        <p:cTn id="6" dur="1" fill="hold">
+                                          <p:stCondLst>
+                                            <p:cond delay="0"/>
+                                          </p:stCondLst>
+                                        </p:cTn>
+                                        <p:tgtEl>
+                                          <p:spTgt spid="3">
+                                            <p:txEl>
+                                              <p:pRg st="1" end="1"/>
+                                            </p:txEl>
+                                          </p:spTgt>
+                                        </p:tgtEl>
+                                        <p:attrNameLst>
+                                          <p:attrName>style.visibility</p:attrName>
+                                        </p:attrNameLst>
+                                      </p:cBhvr>
+                                      <p:to>
+                                        <p:strVal val="visible"/>
+                                      </p:to>
+                                    </p:set>
+                                    <p:animEffect transition="in" filter="fade">
+                                      <p:cBhvr>
+                                        <p:cTn id="7" dur="500"/>
+                                        <p:tgtEl>
+                                          <p:spTgt spid="3">
+                                            <p:txEl>
+                                              <p:pRg st="1" end="1"/>
+                                            </p:txEl>
+                                          </p:spTgt>
+                                        </p:tgtEl>
+                                      </p:cBhvr>
+                                    </p:animEffect>
+                                  </p:childTnLst>
+                                </p:cTn>
+                              </p:par>
+                            </p:childTnLst>
+                          </p:cTn>
+                        </p:par>
+                      </p:childTnLst>
+                    </p:cTn>
+                  </p:par>
+                  <p:par>
+                    <p:cTn id="8" fill="hold">
+                      <p:stCondLst>
+                        <p:cond delay="indefinite"/>
+                      </p:stCondLst>
+                      <p:childTnLst>
+                        <p:par>
+                          <p:cTn id="9" fill="hold">
+                            <p:stCondLst>
+                              <p:cond delay="0"/>
+                            </p:stCondLst>
+                            <p:childTnLst>
+                              <p:par>
+                                <p:cTn id="10" presetID="10" presetClass="entr" presetSubtype="0" fill="hold" nodeType="clickEffect">
+                                  <p:stCondLst>
+                                    <p:cond delay="0"/>
+                                  </p:stCondLst>
+                                  <p:childTnLst>
+                                    <p:set>
+                                      <p:cBhvr>
+                                        <p:cTn id="11" dur="1" fill="hold">
+                                          <p:stCondLst>
+                                            <p:cond delay="0"/>
+                                          </p:stCondLst>
+                                        </p:cTn>
+                                        <p:tgtEl>
+                                          <p:spTgt spid="3">
+                                            <p:txEl>
+                                              <p:pRg st="2" end="2"/>
+                                            </p:txEl>
+                                          </p:spTgt>
+                                        </p:tgtEl>
+                                        <p:attrNameLst>
+                                          <p:attrName>style.visibility</p:attrName>
+                                        </p:attrNameLst>
+                                      </p:cBhvr>
+                                      <p:to>
+                                        <p:strVal val="visible"/>
+                                      </p:to>
+                                    </p:set>
+                                    <p:animEffect transition="in" filter="fade">
+                                      <p:cBhvr>
+                                        <p:cTn id="12" dur="500"/>
+                                        <p:tgtEl>
+                                          <p:spTgt spid="3">
+                                            <p:txEl>
+                                              <p:pRg st="2" end="2"/>
+                                            </p:txEl>
+                                          </p:spTgt>
+                                        </p:tgtEl>
+                                      </p:cBhvr>
+                                    </p:animEffect>
+                                  </p:childTnLst>
+                                </p:cTn>
+                              </p:par>
+                            </p:childTnLst>
+                          </p:cTn>
+                        </p:par>
+                      </p:childTnLst>
+                    </p:cTn>
+                  </p:par>
+                  <p:par>
+                    <p:cTn id="13" fill="hold">
+                      <p:stCondLst>
+                        <p:cond delay="indefinite"/>
+                      </p:stCondLst>
+                      <p:childTnLst>
+                        <p:par>
+                          <p:cTn id="14" fill="hold">
+                            <p:stCondLst>
+                              <p:cond delay="0"/>
+                            </p:stCondLst>
+                            <p:childTnLst>
+                              <p:par>
+                                <p:cTn id="15" presetID="10" presetClass="entr" presetSubtype="0" fill="hold" nodeType="clickEffect">
+                                  <p:stCondLst>
+                                    <p:cond delay="0"/>
+                                  </p:stCondLst>
+                                  <p:childTnLst>
+                                    <p:set>
+                                      <p:cBhvr>
+                                        <p:cTn id="16" dur="1" fill="hold">
+                                          <p:stCondLst>
+                                            <p:cond delay="0"/>
+                                          </p:stCondLst>
+                                        </p:cTn>
+                                        <p:tgtEl>
+                                          <p:spTgt spid="3">
+                                            <p:txEl>
+                                              <p:pRg st="3" end="3"/>
+                                            </p:txEl>
+                                          </p:spTgt>
+                                        </p:tgtEl>
+                                        <p:attrNameLst>
+                                          <p:attrName>style.visibility</p:attrName>
+                                        </p:attrNameLst>
+                                      </p:cBhvr>
+                                      <p:to>
+                                        <p:strVal val="visible"/>
+                                      </p:to>
+                                    </p:set>
+                                    <p:animEffect transition="in" filter="fade">
+                                      <p:cBhvr>
+                                        <p:cTn id="17" dur="500"/>
+                                        <p:tgtEl>
+                                          <p:spTgt spid="3">
+                                            <p:txEl>
+                                              <p:pRg st="3" end="3"/>
+                                            </p:txEl>
+                                          </p:spTgt>
+                                        </p:tgtEl>
+                                      </p:cBhvr>
+                                    </p:animEffect>
+                                  </p:childTnLst>
+                                </p:cTn>
+                              </p:par>
+                            </p:childTnLst>
+                          </p:cTn>
+                        </p:par>
+                      </p:childTnLst>
+                    </p:cTn>
+                  </p:par>
+                  <p:par>
+                    <p:cTn id="18" fill="hold">
+                      <p:stCondLst>
+                        <p:cond delay="indefinite"/>
+                      </p:stCondLst>
+                      <p:childTnLst>
+                        <p:par>
+                          <p:cTn id="19" fill="hold">
+                            <p:stCondLst>
+                              <p:cond delay="0"/>
+                            </p:stCondLst>
+                            <p:childTnLst>
+                              <p:par>
+                                <p:cTn id="20" presetID="10" presetClass="entr" presetSubtype="0" fill="hold" nodeType="clickEffect">
+                                  <p:stCondLst>
+                                    <p:cond delay="0"/>
+                                  </p:stCondLst>
+                                  <p:childTnLst>
+                                    <p:set>
+                                      <p:cBhvr>
+                                        <p:cTn id="21" dur="1" fill="hold">
+                                          <p:stCondLst>
+                                            <p:cond delay="0"/>
+                                          </p:stCondLst>
+                                        </p:cTn>
+                                        <p:tgtEl>
+                                          <p:spTgt spid="3">
+                                            <p:txEl>
+                                              <p:pRg st="4" end="4"/>
+                                            </p:txEl>
+                                          </p:spTgt>
+                                        </p:tgtEl>
+                                        <p:attrNameLst>
+                                          <p:attrName>style.visibility</p:attrName>
+                                        </p:attrNameLst>
+                                      </p:cBhvr>
+                                      <p:to>
+                                        <p:strVal val="visible"/>
+                                      </p:to>
+                                    </p:set>
+                                    <p:animEffect transition="in" filter="fade">
+                                      <p:cBhvr>
+                                        <p:cTn id="22" dur="500"/>
+                                        <p:tgtEl>
+                                          <p:spTgt spid="3">
+                                            <p:txEl>
+                                              <p:pRg st="4" end="4"/>
+                                            </p:txEl>
+                                          </p:spTgt>
+                                        </p:tgtEl>
+                                      </p:cBhvr>
+                                    </p:animEffect>
+                                  </p:childTnLst>
+                                </p:cTn>
+                              </p:par>
+                            </p:childTnLst>
+                          </p:cTn>
+                        </p:par>
+                      </p:childTnLst>
+                    </p:cTn>
+                  </p:par>
+                </p:childTnLst>
+              </p:cTn>
+              <p:prevCondLst>
+                <p:cond evt="onPrev" delay="0">
+                  <p:tgtEl>
+                    <p:sldTgt/>
+                  </p:tgtEl>
+                </p:cond>
+              </p:prevCondLst>
+              <p:nextCondLst>
+                <p:cond evt="onNext" delay="0">
+                  <p:tgtEl>
+                    <p:sldTgt/>
+                  </p:tgtEl>
+                </p:cond>
+              </p:nextCondLst>
+            </p:seq>
+          </p:childTnLst>
+        </p:cTn>
+      </p:par>
+    </p:tnLst>
+  </p:timing>
 </p:sld>
 </file>
 
@@ -8008,7 +9613,7 @@
           <p:cNvPr id="2" name="Titre 1">
             <a:extLst>
               <a:ext uri="{FF2B5EF4-FFF2-40B4-BE49-F238E27FC236}">
-                <a16:creationId xmlns:a16="http://schemas.microsoft.com/office/drawing/2014/main" id="{D7916973-2AA1-4ABF-8DBD-5CF86C814B70}"/>
+                <a16:creationId xmlns:a16="http://schemas.microsoft.com/office/drawing/2014/main" id="{ACA64FC4-12CC-4E4C-8326-4DDBFE293B00}"/>
               </a:ext>
             </a:extLst>
           </p:cNvPr>
@@ -8026,7 +9631,7 @@
           <a:p>
             <a:r>
               <a:rPr lang="fr-FR" dirty="0"/>
-              <a:t>Les fonctionnalités du système</a:t>
+              <a:t>Les Rôles</a:t>
             </a:r>
           </a:p>
         </p:txBody>
@@ -8036,7 +9641,7 @@
           <p:cNvPr id="3" name="Espace réservé du contenu 2">
             <a:extLst>
               <a:ext uri="{FF2B5EF4-FFF2-40B4-BE49-F238E27FC236}">
-                <a16:creationId xmlns:a16="http://schemas.microsoft.com/office/drawing/2014/main" id="{F40E0AFD-F18C-4373-8A3E-B9446FF3F9E1}"/>
+                <a16:creationId xmlns:a16="http://schemas.microsoft.com/office/drawing/2014/main" id="{E18F652A-4EEC-47CF-A8F7-FAA830BB4B70}"/>
               </a:ext>
             </a:extLst>
           </p:cNvPr>
@@ -8047,60 +9652,73 @@
             <p:ph idx="1"/>
           </p:nvPr>
         </p:nvSpPr>
-        <p:spPr>
-          <a:xfrm>
-            <a:off x="1103312" y="1665298"/>
-            <a:ext cx="8946541" cy="4583101"/>
-          </a:xfrm>
-        </p:spPr>
+        <p:spPr/>
         <p:txBody>
           <a:bodyPr>
             <a:normAutofit/>
           </a:bodyPr>
           <a:lstStyle/>
           <a:p>
+            <a:pPr>
+              <a:lnSpc>
+                <a:spcPct val="150000"/>
+              </a:lnSpc>
+            </a:pPr>
             <a:r>
               <a:rPr lang="fr-FR" sz="2800" b="1" dirty="0"/>
-              <a:t>Site internet doit </a:t>
-            </a:r>
-            <a:r>
-              <a:rPr lang="fr-FR" sz="2800" dirty="0"/>
-              <a:t>être capable de </a:t>
-            </a:r>
-          </a:p>
-          <a:p>
-            <a:pPr lvl="1"/>
+              <a:t>Pizzaïolo</a:t>
+            </a:r>
+          </a:p>
+          <a:p>
+            <a:pPr marL="914400" lvl="1" indent="-457200">
+              <a:lnSpc>
+                <a:spcPct val="150000"/>
+              </a:lnSpc>
+              <a:buFont typeface="+mj-lt"/>
+              <a:buAutoNum type="arabicPeriod"/>
+            </a:pPr>
             <a:r>
               <a:rPr lang="fr-FR" sz="2400" dirty="0"/>
-              <a:t>Actualiser la carte en fonction du stock d’ingrédients</a:t>
-            </a:r>
-          </a:p>
-          <a:p>
-            <a:pPr lvl="1"/>
+              <a:t>Consulter les commandes</a:t>
+            </a:r>
+          </a:p>
+          <a:p>
+            <a:pPr marL="914400" lvl="1" indent="-457200">
+              <a:lnSpc>
+                <a:spcPct val="150000"/>
+              </a:lnSpc>
+              <a:buFont typeface="+mj-lt"/>
+              <a:buAutoNum type="arabicPeriod"/>
+            </a:pPr>
             <a:r>
               <a:rPr lang="fr-FR" sz="2400" dirty="0"/>
-              <a:t>Enregistrer une commande</a:t>
-            </a:r>
-          </a:p>
-          <a:p>
-            <a:pPr lvl="1"/>
+              <a:t>Consulter la recette</a:t>
+            </a:r>
+          </a:p>
+          <a:p>
+            <a:pPr marL="914400" lvl="1" indent="-457200">
+              <a:lnSpc>
+                <a:spcPct val="150000"/>
+              </a:lnSpc>
+              <a:buFont typeface="+mj-lt"/>
+              <a:buAutoNum type="arabicPeriod"/>
+            </a:pPr>
             <a:r>
               <a:rPr lang="fr-FR" sz="2400" dirty="0"/>
-              <a:t>Enregistrer des infos de clientèle dans une base de données</a:t>
-            </a:r>
-          </a:p>
-          <a:p>
-            <a:pPr lvl="1"/>
+              <a:t>Modifier la statut d’une commande</a:t>
+            </a:r>
+          </a:p>
+          <a:p>
+            <a:pPr marL="914400" lvl="1" indent="-457200">
+              <a:lnSpc>
+                <a:spcPct val="150000"/>
+              </a:lnSpc>
+              <a:buFont typeface="+mj-lt"/>
+              <a:buAutoNum type="arabicPeriod"/>
+            </a:pPr>
             <a:r>
               <a:rPr lang="fr-FR" sz="2400" dirty="0"/>
-              <a:t>Afficher le statut de la commande</a:t>
-            </a:r>
-          </a:p>
-          <a:p>
-            <a:pPr lvl="1"/>
-            <a:r>
-              <a:rPr lang="fr-FR" sz="2400" dirty="0"/>
-              <a:t>Modifier les bases de données</a:t>
+              <a:t>Mettre à jour le stock</a:t>
             </a:r>
           </a:p>
         </p:txBody>
@@ -8108,13 +9726,287 @@
     </p:spTree>
     <p:extLst>
       <p:ext uri="{BB962C8B-B14F-4D97-AF65-F5344CB8AC3E}">
-        <p14:creationId xmlns:p14="http://schemas.microsoft.com/office/powerpoint/2010/main" val="2868280252"/>
+        <p14:creationId xmlns:p14="http://schemas.microsoft.com/office/powerpoint/2010/main" val="1671235555"/>
       </p:ext>
     </p:extLst>
   </p:cSld>
   <p:clrMapOvr>
     <a:masterClrMapping/>
   </p:clrMapOvr>
+  <p:timing>
+    <p:tnLst>
+      <p:par>
+        <p:cTn id="1" dur="indefinite" restart="never" nodeType="tmRoot">
+          <p:childTnLst>
+            <p:seq concurrent="1" nextAc="seek">
+              <p:cTn id="2" dur="indefinite" nodeType="mainSeq">
+                <p:childTnLst>
+                  <p:par>
+                    <p:cTn id="3" fill="hold">
+                      <p:stCondLst>
+                        <p:cond delay="indefinite"/>
+                      </p:stCondLst>
+                      <p:childTnLst>
+                        <p:par>
+                          <p:cTn id="4" fill="hold">
+                            <p:stCondLst>
+                              <p:cond delay="0"/>
+                            </p:stCondLst>
+                            <p:childTnLst>
+                              <p:par>
+                                <p:cTn id="5" presetID="10" presetClass="entr" presetSubtype="0" fill="hold" nodeType="clickEffect">
+                                  <p:stCondLst>
+                                    <p:cond delay="0"/>
+                                  </p:stCondLst>
+                                  <p:childTnLst>
+                                    <p:set>
+                                      <p:cBhvr>
+                                        <p:cTn id="6" dur="1" fill="hold">
+                                          <p:stCondLst>
+                                            <p:cond delay="0"/>
+                                          </p:stCondLst>
+                                        </p:cTn>
+                                        <p:tgtEl>
+                                          <p:spTgt spid="3">
+                                            <p:txEl>
+                                              <p:pRg st="1" end="1"/>
+                                            </p:txEl>
+                                          </p:spTgt>
+                                        </p:tgtEl>
+                                        <p:attrNameLst>
+                                          <p:attrName>style.visibility</p:attrName>
+                                        </p:attrNameLst>
+                                      </p:cBhvr>
+                                      <p:to>
+                                        <p:strVal val="visible"/>
+                                      </p:to>
+                                    </p:set>
+                                    <p:animEffect transition="in" filter="fade">
+                                      <p:cBhvr>
+                                        <p:cTn id="7" dur="500"/>
+                                        <p:tgtEl>
+                                          <p:spTgt spid="3">
+                                            <p:txEl>
+                                              <p:pRg st="1" end="1"/>
+                                            </p:txEl>
+                                          </p:spTgt>
+                                        </p:tgtEl>
+                                      </p:cBhvr>
+                                    </p:animEffect>
+                                  </p:childTnLst>
+                                </p:cTn>
+                              </p:par>
+                            </p:childTnLst>
+                          </p:cTn>
+                        </p:par>
+                      </p:childTnLst>
+                    </p:cTn>
+                  </p:par>
+                  <p:par>
+                    <p:cTn id="8" fill="hold">
+                      <p:stCondLst>
+                        <p:cond delay="indefinite"/>
+                      </p:stCondLst>
+                      <p:childTnLst>
+                        <p:par>
+                          <p:cTn id="9" fill="hold">
+                            <p:stCondLst>
+                              <p:cond delay="0"/>
+                            </p:stCondLst>
+                            <p:childTnLst>
+                              <p:par>
+                                <p:cTn id="10" presetID="10" presetClass="entr" presetSubtype="0" fill="hold" nodeType="clickEffect">
+                                  <p:stCondLst>
+                                    <p:cond delay="0"/>
+                                  </p:stCondLst>
+                                  <p:childTnLst>
+                                    <p:set>
+                                      <p:cBhvr>
+                                        <p:cTn id="11" dur="1" fill="hold">
+                                          <p:stCondLst>
+                                            <p:cond delay="0"/>
+                                          </p:stCondLst>
+                                        </p:cTn>
+                                        <p:tgtEl>
+                                          <p:spTgt spid="3">
+                                            <p:txEl>
+                                              <p:pRg st="2" end="2"/>
+                                            </p:txEl>
+                                          </p:spTgt>
+                                        </p:tgtEl>
+                                        <p:attrNameLst>
+                                          <p:attrName>style.visibility</p:attrName>
+                                        </p:attrNameLst>
+                                      </p:cBhvr>
+                                      <p:to>
+                                        <p:strVal val="visible"/>
+                                      </p:to>
+                                    </p:set>
+                                    <p:animEffect transition="in" filter="fade">
+                                      <p:cBhvr>
+                                        <p:cTn id="12" dur="500"/>
+                                        <p:tgtEl>
+                                          <p:spTgt spid="3">
+                                            <p:txEl>
+                                              <p:pRg st="2" end="2"/>
+                                            </p:txEl>
+                                          </p:spTgt>
+                                        </p:tgtEl>
+                                      </p:cBhvr>
+                                    </p:animEffect>
+                                  </p:childTnLst>
+                                </p:cTn>
+                              </p:par>
+                            </p:childTnLst>
+                          </p:cTn>
+                        </p:par>
+                      </p:childTnLst>
+                    </p:cTn>
+                  </p:par>
+                  <p:par>
+                    <p:cTn id="13" fill="hold">
+                      <p:stCondLst>
+                        <p:cond delay="indefinite"/>
+                      </p:stCondLst>
+                      <p:childTnLst>
+                        <p:par>
+                          <p:cTn id="14" fill="hold">
+                            <p:stCondLst>
+                              <p:cond delay="0"/>
+                            </p:stCondLst>
+                            <p:childTnLst>
+                              <p:par>
+                                <p:cTn id="15" presetID="10" presetClass="entr" presetSubtype="0" fill="hold" nodeType="clickEffect">
+                                  <p:stCondLst>
+                                    <p:cond delay="0"/>
+                                  </p:stCondLst>
+                                  <p:childTnLst>
+                                    <p:set>
+                                      <p:cBhvr>
+                                        <p:cTn id="16" dur="1" fill="hold">
+                                          <p:stCondLst>
+                                            <p:cond delay="0"/>
+                                          </p:stCondLst>
+                                        </p:cTn>
+                                        <p:tgtEl>
+                                          <p:spTgt spid="3">
+                                            <p:txEl>
+                                              <p:pRg st="3" end="3"/>
+                                            </p:txEl>
+                                          </p:spTgt>
+                                        </p:tgtEl>
+                                        <p:attrNameLst>
+                                          <p:attrName>style.visibility</p:attrName>
+                                        </p:attrNameLst>
+                                      </p:cBhvr>
+                                      <p:to>
+                                        <p:strVal val="visible"/>
+                                      </p:to>
+                                    </p:set>
+                                    <p:animEffect transition="in" filter="fade">
+                                      <p:cBhvr>
+                                        <p:cTn id="17" dur="500"/>
+                                        <p:tgtEl>
+                                          <p:spTgt spid="3">
+                                            <p:txEl>
+                                              <p:pRg st="3" end="3"/>
+                                            </p:txEl>
+                                          </p:spTgt>
+                                        </p:tgtEl>
+                                      </p:cBhvr>
+                                    </p:animEffect>
+                                  </p:childTnLst>
+                                </p:cTn>
+                              </p:par>
+                            </p:childTnLst>
+                          </p:cTn>
+                        </p:par>
+                      </p:childTnLst>
+                    </p:cTn>
+                  </p:par>
+                  <p:par>
+                    <p:cTn id="18" fill="hold">
+                      <p:stCondLst>
+                        <p:cond delay="indefinite"/>
+                      </p:stCondLst>
+                      <p:childTnLst>
+                        <p:par>
+                          <p:cTn id="19" fill="hold">
+                            <p:stCondLst>
+                              <p:cond delay="0"/>
+                            </p:stCondLst>
+                            <p:childTnLst>
+                              <p:par>
+                                <p:cTn id="20" presetID="10" presetClass="entr" presetSubtype="0" fill="hold" nodeType="clickEffect">
+                                  <p:stCondLst>
+                                    <p:cond delay="0"/>
+                                  </p:stCondLst>
+                                  <p:childTnLst>
+                                    <p:set>
+                                      <p:cBhvr>
+                                        <p:cTn id="21" dur="1" fill="hold">
+                                          <p:stCondLst>
+                                            <p:cond delay="0"/>
+                                          </p:stCondLst>
+                                        </p:cTn>
+                                        <p:tgtEl>
+                                          <p:spTgt spid="3">
+                                            <p:txEl>
+                                              <p:pRg st="4" end="4"/>
+                                            </p:txEl>
+                                          </p:spTgt>
+                                        </p:tgtEl>
+                                        <p:attrNameLst>
+                                          <p:attrName>style.visibility</p:attrName>
+                                        </p:attrNameLst>
+                                      </p:cBhvr>
+                                      <p:to>
+                                        <p:strVal val="visible"/>
+                                      </p:to>
+                                    </p:set>
+                                    <p:animEffect transition="in" filter="fade">
+                                      <p:cBhvr>
+                                        <p:cTn id="22" dur="500"/>
+                                        <p:tgtEl>
+                                          <p:spTgt spid="3">
+                                            <p:txEl>
+                                              <p:pRg st="4" end="4"/>
+                                            </p:txEl>
+                                          </p:spTgt>
+                                        </p:tgtEl>
+                                      </p:cBhvr>
+                                    </p:animEffect>
+                                  </p:childTnLst>
+                                </p:cTn>
+                              </p:par>
+                            </p:childTnLst>
+                          </p:cTn>
+                        </p:par>
+                      </p:childTnLst>
+                    </p:cTn>
+                  </p:par>
+                </p:childTnLst>
+              </p:cTn>
+              <p:prevCondLst>
+                <p:cond evt="onPrev" delay="0">
+                  <p:tgtEl>
+                    <p:sldTgt/>
+                  </p:tgtEl>
+                </p:cond>
+              </p:prevCondLst>
+              <p:nextCondLst>
+                <p:cond evt="onNext" delay="0">
+                  <p:tgtEl>
+                    <p:sldTgt/>
+                  </p:tgtEl>
+                </p:cond>
+              </p:nextCondLst>
+            </p:seq>
+          </p:childTnLst>
+        </p:cTn>
+      </p:par>
+    </p:tnLst>
+  </p:timing>
 </p:sld>
 </file>
 
@@ -8140,7 +10032,7 @@
           <p:cNvPr id="2" name="Titre 1">
             <a:extLst>
               <a:ext uri="{FF2B5EF4-FFF2-40B4-BE49-F238E27FC236}">
-                <a16:creationId xmlns:a16="http://schemas.microsoft.com/office/drawing/2014/main" id="{54C1F218-6FEF-4965-82AE-397C77D8E732}"/>
+                <a16:creationId xmlns:a16="http://schemas.microsoft.com/office/drawing/2014/main" id="{B51A502B-1EB8-4315-9100-0808AC19F621}"/>
               </a:ext>
             </a:extLst>
           </p:cNvPr>
@@ -8158,7 +10050,7 @@
           <a:p>
             <a:r>
               <a:rPr lang="fr-FR" dirty="0"/>
-              <a:t>Les fonctionnalités du système</a:t>
+              <a:t>Les Rôles</a:t>
             </a:r>
           </a:p>
         </p:txBody>
@@ -8168,7 +10060,7 @@
           <p:cNvPr id="3" name="Espace réservé du contenu 2">
             <a:extLst>
               <a:ext uri="{FF2B5EF4-FFF2-40B4-BE49-F238E27FC236}">
-                <a16:creationId xmlns:a16="http://schemas.microsoft.com/office/drawing/2014/main" id="{93E0F634-736C-4792-B469-B115EB64E092}"/>
+                <a16:creationId xmlns:a16="http://schemas.microsoft.com/office/drawing/2014/main" id="{D3975F5A-57BA-4FF3-9587-579E8BFFC42A}"/>
               </a:ext>
             </a:extLst>
           </p:cNvPr>
@@ -8181,60 +10073,287 @@
         </p:nvSpPr>
         <p:spPr/>
         <p:txBody>
-          <a:bodyPr>
-            <a:normAutofit/>
-          </a:bodyPr>
+          <a:bodyPr/>
           <a:lstStyle/>
           <a:p>
+            <a:pPr>
+              <a:lnSpc>
+                <a:spcPct val="150000"/>
+              </a:lnSpc>
+            </a:pPr>
             <a:r>
               <a:rPr lang="fr-FR" sz="2800" b="1" dirty="0"/>
-              <a:t>Le logiciel de gestion </a:t>
-            </a:r>
-            <a:r>
-              <a:rPr lang="fr-FR" sz="2800" dirty="0"/>
-              <a:t>doit être capable de </a:t>
+              <a:t>Livreur</a:t>
+            </a:r>
+          </a:p>
+          <a:p>
+            <a:pPr marL="914400" lvl="1" indent="-457200">
+              <a:lnSpc>
+                <a:spcPct val="150000"/>
+              </a:lnSpc>
+              <a:buFont typeface="+mj-lt"/>
+              <a:buAutoNum type="arabicPeriod"/>
+            </a:pPr>
+            <a:r>
+              <a:rPr lang="fr-FR" sz="2400" dirty="0"/>
+              <a:t>Modifier la statut d’une commande</a:t>
+            </a:r>
+          </a:p>
+          <a:p>
+            <a:pPr marL="914400" lvl="1" indent="-457200">
+              <a:lnSpc>
+                <a:spcPct val="150000"/>
+              </a:lnSpc>
+              <a:buFont typeface="+mj-lt"/>
+              <a:buAutoNum type="arabicPeriod"/>
+            </a:pPr>
+            <a:r>
+              <a:rPr lang="fr-FR" sz="2400" dirty="0"/>
+              <a:t>Consulter les coordonnées des clients</a:t>
+            </a:r>
+          </a:p>
+          <a:p>
+            <a:pPr marL="914400" lvl="1" indent="-457200">
+              <a:lnSpc>
+                <a:spcPct val="150000"/>
+              </a:lnSpc>
+              <a:buFont typeface="+mj-lt"/>
+              <a:buAutoNum type="arabicPeriod"/>
+            </a:pPr>
+            <a:r>
+              <a:rPr lang="fr-FR" sz="2400" dirty="0"/>
+              <a:t>Faire une transaction de CB</a:t>
             </a:r>
           </a:p>
           <a:p>
             <a:pPr lvl="1"/>
-            <a:r>
-              <a:rPr lang="fr-FR" sz="2400" dirty="0"/>
-              <a:t>Enregistrer les commandes</a:t>
-            </a:r>
-          </a:p>
-          <a:p>
-            <a:pPr lvl="1"/>
-            <a:r>
-              <a:rPr lang="fr-FR" sz="2400" dirty="0"/>
-              <a:t>Consulter les bases de données</a:t>
-            </a:r>
-          </a:p>
-          <a:p>
-            <a:pPr lvl="1"/>
-            <a:r>
-              <a:rPr lang="fr-FR" sz="2400" dirty="0"/>
-              <a:t>Extraire des données des base données</a:t>
-            </a:r>
-          </a:p>
-          <a:p>
-            <a:pPr lvl="1"/>
-            <a:r>
-              <a:rPr lang="fr-FR" sz="2400" dirty="0"/>
-              <a:t>Modifier les bases de données</a:t>
-            </a:r>
+            <a:endParaRPr lang="fr-FR" dirty="0"/>
           </a:p>
         </p:txBody>
       </p:sp>
     </p:spTree>
     <p:extLst>
       <p:ext uri="{BB962C8B-B14F-4D97-AF65-F5344CB8AC3E}">
-        <p14:creationId xmlns:p14="http://schemas.microsoft.com/office/powerpoint/2010/main" val="4079450083"/>
+        <p14:creationId xmlns:p14="http://schemas.microsoft.com/office/powerpoint/2010/main" val="3756452696"/>
       </p:ext>
     </p:extLst>
   </p:cSld>
   <p:clrMapOvr>
     <a:masterClrMapping/>
   </p:clrMapOvr>
+  <p:timing>
+    <p:tnLst>
+      <p:par>
+        <p:cTn id="1" dur="indefinite" restart="never" nodeType="tmRoot">
+          <p:childTnLst>
+            <p:seq concurrent="1" nextAc="seek">
+              <p:cTn id="2" dur="indefinite" nodeType="mainSeq">
+                <p:childTnLst>
+                  <p:par>
+                    <p:cTn id="3" fill="hold">
+                      <p:stCondLst>
+                        <p:cond delay="indefinite"/>
+                      </p:stCondLst>
+                      <p:childTnLst>
+                        <p:par>
+                          <p:cTn id="4" fill="hold">
+                            <p:stCondLst>
+                              <p:cond delay="0"/>
+                            </p:stCondLst>
+                            <p:childTnLst>
+                              <p:par>
+                                <p:cTn id="5" presetID="10" presetClass="entr" presetSubtype="0" fill="hold" nodeType="clickEffect">
+                                  <p:stCondLst>
+                                    <p:cond delay="0"/>
+                                  </p:stCondLst>
+                                  <p:childTnLst>
+                                    <p:set>
+                                      <p:cBhvr>
+                                        <p:cTn id="6" dur="1" fill="hold">
+                                          <p:stCondLst>
+                                            <p:cond delay="0"/>
+                                          </p:stCondLst>
+                                        </p:cTn>
+                                        <p:tgtEl>
+                                          <p:spTgt spid="3">
+                                            <p:txEl>
+                                              <p:pRg st="1" end="1"/>
+                                            </p:txEl>
+                                          </p:spTgt>
+                                        </p:tgtEl>
+                                        <p:attrNameLst>
+                                          <p:attrName>style.visibility</p:attrName>
+                                        </p:attrNameLst>
+                                      </p:cBhvr>
+                                      <p:to>
+                                        <p:strVal val="visible"/>
+                                      </p:to>
+                                    </p:set>
+                                    <p:animEffect transition="in" filter="fade">
+                                      <p:cBhvr>
+                                        <p:cTn id="7" dur="500"/>
+                                        <p:tgtEl>
+                                          <p:spTgt spid="3">
+                                            <p:txEl>
+                                              <p:pRg st="1" end="1"/>
+                                            </p:txEl>
+                                          </p:spTgt>
+                                        </p:tgtEl>
+                                      </p:cBhvr>
+                                    </p:animEffect>
+                                  </p:childTnLst>
+                                </p:cTn>
+                              </p:par>
+                            </p:childTnLst>
+                          </p:cTn>
+                        </p:par>
+                      </p:childTnLst>
+                    </p:cTn>
+                  </p:par>
+                  <p:par>
+                    <p:cTn id="8" fill="hold">
+                      <p:stCondLst>
+                        <p:cond delay="indefinite"/>
+                      </p:stCondLst>
+                      <p:childTnLst>
+                        <p:par>
+                          <p:cTn id="9" fill="hold">
+                            <p:stCondLst>
+                              <p:cond delay="0"/>
+                            </p:stCondLst>
+                            <p:childTnLst>
+                              <p:par>
+                                <p:cTn id="10" presetID="10" presetClass="entr" presetSubtype="0" fill="hold" nodeType="clickEffect">
+                                  <p:stCondLst>
+                                    <p:cond delay="0"/>
+                                  </p:stCondLst>
+                                  <p:childTnLst>
+                                    <p:set>
+                                      <p:cBhvr>
+                                        <p:cTn id="11" dur="1" fill="hold">
+                                          <p:stCondLst>
+                                            <p:cond delay="0"/>
+                                          </p:stCondLst>
+                                        </p:cTn>
+                                        <p:tgtEl>
+                                          <p:spTgt spid="3">
+                                            <p:txEl>
+                                              <p:pRg st="2" end="2"/>
+                                            </p:txEl>
+                                          </p:spTgt>
+                                        </p:tgtEl>
+                                        <p:attrNameLst>
+                                          <p:attrName>style.visibility</p:attrName>
+                                        </p:attrNameLst>
+                                      </p:cBhvr>
+                                      <p:to>
+                                        <p:strVal val="visible"/>
+                                      </p:to>
+                                    </p:set>
+                                    <p:animEffect transition="in" filter="fade">
+                                      <p:cBhvr>
+                                        <p:cTn id="12" dur="500"/>
+                                        <p:tgtEl>
+                                          <p:spTgt spid="3">
+                                            <p:txEl>
+                                              <p:pRg st="2" end="2"/>
+                                            </p:txEl>
+                                          </p:spTgt>
+                                        </p:tgtEl>
+                                      </p:cBhvr>
+                                    </p:animEffect>
+                                  </p:childTnLst>
+                                </p:cTn>
+                              </p:par>
+                            </p:childTnLst>
+                          </p:cTn>
+                        </p:par>
+                      </p:childTnLst>
+                    </p:cTn>
+                  </p:par>
+                  <p:par>
+                    <p:cTn id="13" fill="hold">
+                      <p:stCondLst>
+                        <p:cond delay="indefinite"/>
+                      </p:stCondLst>
+                      <p:childTnLst>
+                        <p:par>
+                          <p:cTn id="14" fill="hold">
+                            <p:stCondLst>
+                              <p:cond delay="0"/>
+                            </p:stCondLst>
+                            <p:childTnLst>
+                              <p:par>
+                                <p:cTn id="15" presetID="10" presetClass="entr" presetSubtype="0" fill="hold" nodeType="clickEffect">
+                                  <p:stCondLst>
+                                    <p:cond delay="0"/>
+                                  </p:stCondLst>
+                                  <p:childTnLst>
+                                    <p:set>
+                                      <p:cBhvr>
+                                        <p:cTn id="16" dur="1" fill="hold">
+                                          <p:stCondLst>
+                                            <p:cond delay="0"/>
+                                          </p:stCondLst>
+                                        </p:cTn>
+                                        <p:tgtEl>
+                                          <p:spTgt spid="3">
+                                            <p:txEl>
+                                              <p:pRg st="3" end="3"/>
+                                            </p:txEl>
+                                          </p:spTgt>
+                                        </p:tgtEl>
+                                        <p:attrNameLst>
+                                          <p:attrName>style.visibility</p:attrName>
+                                        </p:attrNameLst>
+                                      </p:cBhvr>
+                                      <p:to>
+                                        <p:strVal val="visible"/>
+                                      </p:to>
+                                    </p:set>
+                                    <p:animEffect transition="in" filter="fade">
+                                      <p:cBhvr>
+                                        <p:cTn id="17" dur="500"/>
+                                        <p:tgtEl>
+                                          <p:spTgt spid="3">
+                                            <p:txEl>
+                                              <p:pRg st="3" end="3"/>
+                                            </p:txEl>
+                                          </p:spTgt>
+                                        </p:tgtEl>
+                                      </p:cBhvr>
+                                    </p:animEffect>
+                                  </p:childTnLst>
+                                </p:cTn>
+                              </p:par>
+                            </p:childTnLst>
+                          </p:cTn>
+                        </p:par>
+                      </p:childTnLst>
+                    </p:cTn>
+                  </p:par>
+                </p:childTnLst>
+              </p:cTn>
+              <p:prevCondLst>
+                <p:cond evt="onPrev" delay="0">
+                  <p:tgtEl>
+                    <p:sldTgt/>
+                  </p:tgtEl>
+                </p:cond>
+              </p:prevCondLst>
+              <p:nextCondLst>
+                <p:cond evt="onNext" delay="0">
+                  <p:tgtEl>
+                    <p:sldTgt/>
+                  </p:tgtEl>
+                </p:cond>
+              </p:nextCondLst>
+            </p:seq>
+          </p:childTnLst>
+        </p:cTn>
+      </p:par>
+    </p:tnLst>
+  </p:timing>
 </p:sld>
 </file>
 

--- a/OC PIZZA presentation.pptx
+++ b/OC PIZZA presentation.pptx
@@ -6319,6 +6319,280 @@
   <p:clrMapOvr>
     <a:masterClrMapping/>
   </p:clrMapOvr>
+  <p:timing>
+    <p:tnLst>
+      <p:par>
+        <p:cTn id="1" dur="indefinite" restart="never" nodeType="tmRoot">
+          <p:childTnLst>
+            <p:seq concurrent="1" nextAc="seek">
+              <p:cTn id="2" dur="indefinite" nodeType="mainSeq">
+                <p:childTnLst>
+                  <p:par>
+                    <p:cTn id="3" fill="hold">
+                      <p:stCondLst>
+                        <p:cond delay="indefinite"/>
+                      </p:stCondLst>
+                      <p:childTnLst>
+                        <p:par>
+                          <p:cTn id="4" fill="hold">
+                            <p:stCondLst>
+                              <p:cond delay="0"/>
+                            </p:stCondLst>
+                            <p:childTnLst>
+                              <p:par>
+                                <p:cTn id="5" presetID="10" presetClass="entr" presetSubtype="0" fill="hold" nodeType="clickEffect">
+                                  <p:stCondLst>
+                                    <p:cond delay="0"/>
+                                  </p:stCondLst>
+                                  <p:childTnLst>
+                                    <p:set>
+                                      <p:cBhvr>
+                                        <p:cTn id="6" dur="1" fill="hold">
+                                          <p:stCondLst>
+                                            <p:cond delay="0"/>
+                                          </p:stCondLst>
+                                        </p:cTn>
+                                        <p:tgtEl>
+                                          <p:spTgt spid="3">
+                                            <p:txEl>
+                                              <p:pRg st="1" end="1"/>
+                                            </p:txEl>
+                                          </p:spTgt>
+                                        </p:tgtEl>
+                                        <p:attrNameLst>
+                                          <p:attrName>style.visibility</p:attrName>
+                                        </p:attrNameLst>
+                                      </p:cBhvr>
+                                      <p:to>
+                                        <p:strVal val="visible"/>
+                                      </p:to>
+                                    </p:set>
+                                    <p:animEffect transition="in" filter="fade">
+                                      <p:cBhvr>
+                                        <p:cTn id="7" dur="500"/>
+                                        <p:tgtEl>
+                                          <p:spTgt spid="3">
+                                            <p:txEl>
+                                              <p:pRg st="1" end="1"/>
+                                            </p:txEl>
+                                          </p:spTgt>
+                                        </p:tgtEl>
+                                      </p:cBhvr>
+                                    </p:animEffect>
+                                  </p:childTnLst>
+                                </p:cTn>
+                              </p:par>
+                            </p:childTnLst>
+                          </p:cTn>
+                        </p:par>
+                      </p:childTnLst>
+                    </p:cTn>
+                  </p:par>
+                  <p:par>
+                    <p:cTn id="8" fill="hold">
+                      <p:stCondLst>
+                        <p:cond delay="indefinite"/>
+                      </p:stCondLst>
+                      <p:childTnLst>
+                        <p:par>
+                          <p:cTn id="9" fill="hold">
+                            <p:stCondLst>
+                              <p:cond delay="0"/>
+                            </p:stCondLst>
+                            <p:childTnLst>
+                              <p:par>
+                                <p:cTn id="10" presetID="10" presetClass="entr" presetSubtype="0" fill="hold" nodeType="clickEffect">
+                                  <p:stCondLst>
+                                    <p:cond delay="0"/>
+                                  </p:stCondLst>
+                                  <p:childTnLst>
+                                    <p:set>
+                                      <p:cBhvr>
+                                        <p:cTn id="11" dur="1" fill="hold">
+                                          <p:stCondLst>
+                                            <p:cond delay="0"/>
+                                          </p:stCondLst>
+                                        </p:cTn>
+                                        <p:tgtEl>
+                                          <p:spTgt spid="3">
+                                            <p:txEl>
+                                              <p:pRg st="2" end="2"/>
+                                            </p:txEl>
+                                          </p:spTgt>
+                                        </p:tgtEl>
+                                        <p:attrNameLst>
+                                          <p:attrName>style.visibility</p:attrName>
+                                        </p:attrNameLst>
+                                      </p:cBhvr>
+                                      <p:to>
+                                        <p:strVal val="visible"/>
+                                      </p:to>
+                                    </p:set>
+                                    <p:animEffect transition="in" filter="fade">
+                                      <p:cBhvr>
+                                        <p:cTn id="12" dur="500"/>
+                                        <p:tgtEl>
+                                          <p:spTgt spid="3">
+                                            <p:txEl>
+                                              <p:pRg st="2" end="2"/>
+                                            </p:txEl>
+                                          </p:spTgt>
+                                        </p:tgtEl>
+                                      </p:cBhvr>
+                                    </p:animEffect>
+                                  </p:childTnLst>
+                                </p:cTn>
+                              </p:par>
+                            </p:childTnLst>
+                          </p:cTn>
+                        </p:par>
+                      </p:childTnLst>
+                    </p:cTn>
+                  </p:par>
+                  <p:par>
+                    <p:cTn id="13" fill="hold">
+                      <p:stCondLst>
+                        <p:cond delay="indefinite"/>
+                      </p:stCondLst>
+                      <p:childTnLst>
+                        <p:par>
+                          <p:cTn id="14" fill="hold">
+                            <p:stCondLst>
+                              <p:cond delay="0"/>
+                            </p:stCondLst>
+                            <p:childTnLst>
+                              <p:par>
+                                <p:cTn id="15" presetID="10" presetClass="entr" presetSubtype="0" fill="hold" nodeType="clickEffect">
+                                  <p:stCondLst>
+                                    <p:cond delay="0"/>
+                                  </p:stCondLst>
+                                  <p:childTnLst>
+                                    <p:set>
+                                      <p:cBhvr>
+                                        <p:cTn id="16" dur="1" fill="hold">
+                                          <p:stCondLst>
+                                            <p:cond delay="0"/>
+                                          </p:stCondLst>
+                                        </p:cTn>
+                                        <p:tgtEl>
+                                          <p:spTgt spid="3">
+                                            <p:txEl>
+                                              <p:pRg st="3" end="3"/>
+                                            </p:txEl>
+                                          </p:spTgt>
+                                        </p:tgtEl>
+                                        <p:attrNameLst>
+                                          <p:attrName>style.visibility</p:attrName>
+                                        </p:attrNameLst>
+                                      </p:cBhvr>
+                                      <p:to>
+                                        <p:strVal val="visible"/>
+                                      </p:to>
+                                    </p:set>
+                                    <p:animEffect transition="in" filter="fade">
+                                      <p:cBhvr>
+                                        <p:cTn id="17" dur="500"/>
+                                        <p:tgtEl>
+                                          <p:spTgt spid="3">
+                                            <p:txEl>
+                                              <p:pRg st="3" end="3"/>
+                                            </p:txEl>
+                                          </p:spTgt>
+                                        </p:tgtEl>
+                                      </p:cBhvr>
+                                    </p:animEffect>
+                                  </p:childTnLst>
+                                </p:cTn>
+                              </p:par>
+                            </p:childTnLst>
+                          </p:cTn>
+                        </p:par>
+                      </p:childTnLst>
+                    </p:cTn>
+                  </p:par>
+                  <p:par>
+                    <p:cTn id="18" fill="hold">
+                      <p:stCondLst>
+                        <p:cond delay="indefinite"/>
+                      </p:stCondLst>
+                      <p:childTnLst>
+                        <p:par>
+                          <p:cTn id="19" fill="hold">
+                            <p:stCondLst>
+                              <p:cond delay="0"/>
+                            </p:stCondLst>
+                            <p:childTnLst>
+                              <p:par>
+                                <p:cTn id="20" presetID="10" presetClass="entr" presetSubtype="0" fill="hold" nodeType="clickEffect">
+                                  <p:stCondLst>
+                                    <p:cond delay="0"/>
+                                  </p:stCondLst>
+                                  <p:childTnLst>
+                                    <p:set>
+                                      <p:cBhvr>
+                                        <p:cTn id="21" dur="1" fill="hold">
+                                          <p:stCondLst>
+                                            <p:cond delay="0"/>
+                                          </p:stCondLst>
+                                        </p:cTn>
+                                        <p:tgtEl>
+                                          <p:spTgt spid="3">
+                                            <p:txEl>
+                                              <p:pRg st="4" end="4"/>
+                                            </p:txEl>
+                                          </p:spTgt>
+                                        </p:tgtEl>
+                                        <p:attrNameLst>
+                                          <p:attrName>style.visibility</p:attrName>
+                                        </p:attrNameLst>
+                                      </p:cBhvr>
+                                      <p:to>
+                                        <p:strVal val="visible"/>
+                                      </p:to>
+                                    </p:set>
+                                    <p:animEffect transition="in" filter="fade">
+                                      <p:cBhvr>
+                                        <p:cTn id="22" dur="500"/>
+                                        <p:tgtEl>
+                                          <p:spTgt spid="3">
+                                            <p:txEl>
+                                              <p:pRg st="4" end="4"/>
+                                            </p:txEl>
+                                          </p:spTgt>
+                                        </p:tgtEl>
+                                      </p:cBhvr>
+                                    </p:animEffect>
+                                  </p:childTnLst>
+                                </p:cTn>
+                              </p:par>
+                            </p:childTnLst>
+                          </p:cTn>
+                        </p:par>
+                      </p:childTnLst>
+                    </p:cTn>
+                  </p:par>
+                </p:childTnLst>
+              </p:cTn>
+              <p:prevCondLst>
+                <p:cond evt="onPrev" delay="0">
+                  <p:tgtEl>
+                    <p:sldTgt/>
+                  </p:tgtEl>
+                </p:cond>
+              </p:prevCondLst>
+              <p:nextCondLst>
+                <p:cond evt="onNext" delay="0">
+                  <p:tgtEl>
+                    <p:sldTgt/>
+                  </p:tgtEl>
+                </p:cond>
+              </p:nextCondLst>
+            </p:seq>
+          </p:childTnLst>
+        </p:cTn>
+      </p:par>
+    </p:tnLst>
+  </p:timing>
 </p:sld>
 </file>
 
@@ -6562,6 +6836,158 @@
   <p:clrMapOvr>
     <a:masterClrMapping/>
   </p:clrMapOvr>
+  <p:timing>
+    <p:tnLst>
+      <p:par>
+        <p:cTn id="1" dur="indefinite" restart="never" nodeType="tmRoot">
+          <p:childTnLst>
+            <p:seq concurrent="1" nextAc="seek">
+              <p:cTn id="2" dur="indefinite" nodeType="mainSeq">
+                <p:childTnLst>
+                  <p:par>
+                    <p:cTn id="3" fill="hold">
+                      <p:stCondLst>
+                        <p:cond delay="indefinite"/>
+                      </p:stCondLst>
+                      <p:childTnLst>
+                        <p:par>
+                          <p:cTn id="4" fill="hold">
+                            <p:stCondLst>
+                              <p:cond delay="0"/>
+                            </p:stCondLst>
+                            <p:childTnLst>
+                              <p:par>
+                                <p:cTn id="5" presetID="10" presetClass="entr" presetSubtype="0" fill="hold" nodeType="clickEffect">
+                                  <p:stCondLst>
+                                    <p:cond delay="0"/>
+                                  </p:stCondLst>
+                                  <p:childTnLst>
+                                    <p:set>
+                                      <p:cBhvr>
+                                        <p:cTn id="6" dur="1" fill="hold">
+                                          <p:stCondLst>
+                                            <p:cond delay="0"/>
+                                          </p:stCondLst>
+                                        </p:cTn>
+                                        <p:tgtEl>
+                                          <p:spTgt spid="3">
+                                            <p:txEl>
+                                              <p:pRg st="0" end="0"/>
+                                            </p:txEl>
+                                          </p:spTgt>
+                                        </p:tgtEl>
+                                        <p:attrNameLst>
+                                          <p:attrName>style.visibility</p:attrName>
+                                        </p:attrNameLst>
+                                      </p:cBhvr>
+                                      <p:to>
+                                        <p:strVal val="visible"/>
+                                      </p:to>
+                                    </p:set>
+                                    <p:animEffect transition="in" filter="fade">
+                                      <p:cBhvr>
+                                        <p:cTn id="7" dur="500"/>
+                                        <p:tgtEl>
+                                          <p:spTgt spid="3">
+                                            <p:txEl>
+                                              <p:pRg st="0" end="0"/>
+                                            </p:txEl>
+                                          </p:spTgt>
+                                        </p:tgtEl>
+                                      </p:cBhvr>
+                                    </p:animEffect>
+                                  </p:childTnLst>
+                                </p:cTn>
+                              </p:par>
+                            </p:childTnLst>
+                          </p:cTn>
+                        </p:par>
+                      </p:childTnLst>
+                    </p:cTn>
+                  </p:par>
+                  <p:par>
+                    <p:cTn id="8" fill="hold">
+                      <p:stCondLst>
+                        <p:cond delay="indefinite"/>
+                      </p:stCondLst>
+                      <p:childTnLst>
+                        <p:par>
+                          <p:cTn id="9" fill="hold">
+                            <p:stCondLst>
+                              <p:cond delay="0"/>
+                            </p:stCondLst>
+                            <p:childTnLst>
+                              <p:par>
+                                <p:cTn id="10" presetID="10" presetClass="entr" presetSubtype="0" fill="hold" nodeType="clickEffect">
+                                  <p:stCondLst>
+                                    <p:cond delay="0"/>
+                                  </p:stCondLst>
+                                  <p:childTnLst>
+                                    <p:set>
+                                      <p:cBhvr>
+                                        <p:cTn id="11" dur="1" fill="hold">
+                                          <p:stCondLst>
+                                            <p:cond delay="0"/>
+                                          </p:stCondLst>
+                                        </p:cTn>
+                                        <p:tgtEl>
+                                          <p:spTgt spid="3">
+                                            <p:txEl>
+                                              <p:pRg st="2" end="2"/>
+                                            </p:txEl>
+                                          </p:spTgt>
+                                        </p:tgtEl>
+                                        <p:attrNameLst>
+                                          <p:attrName>style.visibility</p:attrName>
+                                        </p:attrNameLst>
+                                      </p:cBhvr>
+                                      <p:to>
+                                        <p:strVal val="visible"/>
+                                      </p:to>
+                                    </p:set>
+                                    <p:animEffect transition="in" filter="fade">
+                                      <p:cBhvr>
+                                        <p:cTn id="12" dur="500"/>
+                                        <p:tgtEl>
+                                          <p:spTgt spid="3">
+                                            <p:txEl>
+                                              <p:pRg st="2" end="2"/>
+                                            </p:txEl>
+                                          </p:spTgt>
+                                        </p:tgtEl>
+                                      </p:cBhvr>
+                                    </p:animEffect>
+                                  </p:childTnLst>
+                                </p:cTn>
+                              </p:par>
+                            </p:childTnLst>
+                          </p:cTn>
+                        </p:par>
+                      </p:childTnLst>
+                    </p:cTn>
+                  </p:par>
+                </p:childTnLst>
+              </p:cTn>
+              <p:prevCondLst>
+                <p:cond evt="onPrev" delay="0">
+                  <p:tgtEl>
+                    <p:sldTgt/>
+                  </p:tgtEl>
+                </p:cond>
+              </p:prevCondLst>
+              <p:nextCondLst>
+                <p:cond evt="onNext" delay="0">
+                  <p:tgtEl>
+                    <p:sldTgt/>
+                  </p:tgtEl>
+                </p:cond>
+              </p:nextCondLst>
+            </p:seq>
+          </p:childTnLst>
+        </p:cTn>
+      </p:par>
+    </p:tnLst>
+  </p:timing>
 </p:sld>
 </file>
 
@@ -7431,8 +7857,8 @@
         </p:blipFill>
         <p:spPr>
           <a:xfrm>
-            <a:off x="3308498" y="1209675"/>
-            <a:ext cx="4949677" cy="5241877"/>
+            <a:off x="2553124" y="946288"/>
+            <a:ext cx="5552237" cy="5558969"/>
           </a:xfrm>
           <a:prstGeom prst="rect">
             <a:avLst/>
@@ -7696,15 +8122,7 @@
             </a:r>
             <a:r>
               <a:rPr lang="fr-FR" dirty="0"/>
-              <a:t>Python 3 et le </a:t>
-            </a:r>
-            <a:r>
-              <a:rPr lang="fr-FR" dirty="0" err="1"/>
-              <a:t>framework</a:t>
-            </a:r>
-            <a:r>
-              <a:rPr lang="fr-FR" dirty="0"/>
-              <a:t> Django en respectant PEP 8. </a:t>
+              <a:t>Python 3 et le Framework Django en respectant PEP 8. </a:t>
             </a:r>
             <a:r>
               <a:rPr lang="fr-FR" sz="2000" dirty="0"/>
@@ -9718,7 +10136,7 @@
             </a:pPr>
             <a:r>
               <a:rPr lang="fr-FR" sz="2400" dirty="0"/>
-              <a:t>Mettre à jour le stock</a:t>
+              <a:t>Mettre à jour la base de données « Stock »</a:t>
             </a:r>
           </a:p>
         </p:txBody>
